--- a/Team 11.pptx
+++ b/Team 11.pptx
@@ -16,23 +16,25 @@
     <p:sldId id="261" r:id="rId11"/>
     <p:sldId id="262" r:id="rId12"/>
     <p:sldId id="263" r:id="rId13"/>
+    <p:sldId id="264" r:id="rId14"/>
+    <p:sldId id="265" r:id="rId15"/>
   </p:sldIdLst>
   <p:sldSz cy="5143500" cx="9144000"/>
   <p:notesSz cx="6858000" cy="9144000"/>
   <p:embeddedFontLst>
     <p:embeddedFont>
       <p:font typeface="Montserrat"/>
-      <p:regular r:id="rId14"/>
-      <p:bold r:id="rId15"/>
-      <p:italic r:id="rId16"/>
-      <p:boldItalic r:id="rId17"/>
+      <p:regular r:id="rId16"/>
+      <p:bold r:id="rId17"/>
+      <p:italic r:id="rId18"/>
+      <p:boldItalic r:id="rId19"/>
     </p:embeddedFont>
     <p:embeddedFont>
       <p:font typeface="Lato"/>
-      <p:regular r:id="rId18"/>
-      <p:bold r:id="rId19"/>
-      <p:italic r:id="rId20"/>
-      <p:boldItalic r:id="rId21"/>
+      <p:regular r:id="rId20"/>
+      <p:bold r:id="rId21"/>
+      <p:italic r:id="rId22"/>
+      <p:boldItalic r:id="rId23"/>
     </p:embeddedFont>
   </p:embeddedFontLst>
   <p:defaultTextStyle>
@@ -806,12 +808,12 @@
 </p:notes>
 </file>
 
-<file path=ppt/notesSlides/notesSlide2.xml><?xml version="1.0" encoding="utf-8"?>
+<file path=ppt/notesSlides/notesSlide10.xml><?xml version="1.0" encoding="utf-8"?>
 <p:notes xmlns:a="http://schemas.openxmlformats.org/drawingml/2006/main" xmlns:r="http://schemas.openxmlformats.org/officeDocument/2006/relationships" xmlns:mc="http://schemas.openxmlformats.org/markup-compatibility/2006" xmlns:mv="urn:schemas-microsoft-com:mac:vml" xmlns:p="http://schemas.openxmlformats.org/presentationml/2006/main" xmlns:c="http://schemas.openxmlformats.org/drawingml/2006/chart" xmlns:dgm="http://schemas.openxmlformats.org/drawingml/2006/diagram" xmlns:o="urn:schemas-microsoft-com:office:office" xmlns:v="urn:schemas-microsoft-com:vml" xmlns:pvml="urn:schemas-microsoft-com:office:powerpoint" xmlns:com="http://schemas.openxmlformats.org/drawingml/2006/compatibility" xmlns:p14="http://schemas.microsoft.com/office/powerpoint/2010/main" xmlns:p15="http://schemas.microsoft.com/office/powerpoint/2012/main" showMasterPhAnim="0" showMasterSp="0">
   <p:cSld>
     <p:spTree>
       <p:nvGrpSpPr>
-        <p:cNvPr id="136" name="Shape 136"/>
+        <p:cNvPr id="181" name="Shape 181"/>
         <p:cNvGrpSpPr/>
         <p:nvPr/>
       </p:nvGrpSpPr>
@@ -825,7 +827,7 @@
       </p:grpSpPr>
       <p:sp>
         <p:nvSpPr>
-          <p:cNvPr id="137" name="Google Shape;137;gd5b15f0a3_5_26:notes"/>
+          <p:cNvPr id="182" name="Google Shape;182;g46739680ba_0_1431:notes"/>
           <p:cNvSpPr/>
           <p:nvPr>
             <p:ph idx="2" type="sldImg"/>
@@ -860,7 +862,7 @@
       </p:sp>
       <p:sp>
         <p:nvSpPr>
-          <p:cNvPr id="138" name="Google Shape;138;gd5b15f0a3_5_26:notes"/>
+          <p:cNvPr id="183" name="Google Shape;183;g46739680ba_0_1431:notes"/>
           <p:cNvSpPr txBox="1"/>
           <p:nvPr>
             <p:ph idx="1" type="body"/>
@@ -905,12 +907,12 @@
 </p:notes>
 </file>
 
-<file path=ppt/notesSlides/notesSlide3.xml><?xml version="1.0" encoding="utf-8"?>
+<file path=ppt/notesSlides/notesSlide2.xml><?xml version="1.0" encoding="utf-8"?>
 <p:notes xmlns:a="http://schemas.openxmlformats.org/drawingml/2006/main" xmlns:r="http://schemas.openxmlformats.org/officeDocument/2006/relationships" xmlns:mc="http://schemas.openxmlformats.org/markup-compatibility/2006" xmlns:mv="urn:schemas-microsoft-com:mac:vml" xmlns:p="http://schemas.openxmlformats.org/presentationml/2006/main" xmlns:c="http://schemas.openxmlformats.org/drawingml/2006/chart" xmlns:dgm="http://schemas.openxmlformats.org/drawingml/2006/diagram" xmlns:o="urn:schemas-microsoft-com:office:office" xmlns:v="urn:schemas-microsoft-com:vml" xmlns:pvml="urn:schemas-microsoft-com:office:powerpoint" xmlns:com="http://schemas.openxmlformats.org/drawingml/2006/compatibility" xmlns:p14="http://schemas.microsoft.com/office/powerpoint/2010/main" xmlns:p15="http://schemas.microsoft.com/office/powerpoint/2012/main" showMasterPhAnim="0" showMasterSp="0">
   <p:cSld>
     <p:spTree>
       <p:nvGrpSpPr>
-        <p:cNvPr id="144" name="Shape 144"/>
+        <p:cNvPr id="136" name="Shape 136"/>
         <p:cNvGrpSpPr/>
         <p:nvPr/>
       </p:nvGrpSpPr>
@@ -924,7 +926,7 @@
       </p:grpSpPr>
       <p:sp>
         <p:nvSpPr>
-          <p:cNvPr id="145" name="Google Shape;145;g723630543_3_0:notes"/>
+          <p:cNvPr id="137" name="Google Shape;137;g46739680ba_2_0:notes"/>
           <p:cNvSpPr/>
           <p:nvPr>
             <p:ph idx="2" type="sldImg"/>
@@ -959,7 +961,7 @@
       </p:sp>
       <p:sp>
         <p:nvSpPr>
-          <p:cNvPr id="146" name="Google Shape;146;g723630543_3_0:notes"/>
+          <p:cNvPr id="138" name="Google Shape;138;g46739680ba_2_0:notes"/>
           <p:cNvSpPr txBox="1"/>
           <p:nvPr>
             <p:ph idx="1" type="body"/>
@@ -1004,12 +1006,12 @@
 </p:notes>
 </file>
 
-<file path=ppt/notesSlides/notesSlide4.xml><?xml version="1.0" encoding="utf-8"?>
+<file path=ppt/notesSlides/notesSlide3.xml><?xml version="1.0" encoding="utf-8"?>
 <p:notes xmlns:a="http://schemas.openxmlformats.org/drawingml/2006/main" xmlns:r="http://schemas.openxmlformats.org/officeDocument/2006/relationships" xmlns:mc="http://schemas.openxmlformats.org/markup-compatibility/2006" xmlns:mv="urn:schemas-microsoft-com:mac:vml" xmlns:p="http://schemas.openxmlformats.org/presentationml/2006/main" xmlns:c="http://schemas.openxmlformats.org/drawingml/2006/chart" xmlns:dgm="http://schemas.openxmlformats.org/drawingml/2006/diagram" xmlns:o="urn:schemas-microsoft-com:office:office" xmlns:v="urn:schemas-microsoft-com:vml" xmlns:pvml="urn:schemas-microsoft-com:office:powerpoint" xmlns:com="http://schemas.openxmlformats.org/drawingml/2006/compatibility" xmlns:p14="http://schemas.microsoft.com/office/powerpoint/2010/main" xmlns:p15="http://schemas.microsoft.com/office/powerpoint/2012/main" showMasterPhAnim="0" showMasterSp="0">
   <p:cSld>
     <p:spTree>
       <p:nvGrpSpPr>
-        <p:cNvPr id="150" name="Shape 150"/>
+        <p:cNvPr id="141" name="Shape 141"/>
         <p:cNvGrpSpPr/>
         <p:nvPr/>
       </p:nvGrpSpPr>
@@ -1023,7 +1025,7 @@
       </p:grpSpPr>
       <p:sp>
         <p:nvSpPr>
-          <p:cNvPr id="151" name="Google Shape;151;g46739680ba_0_1371:notes"/>
+          <p:cNvPr id="142" name="Google Shape;142;gd5b15f0a3_5_26:notes"/>
           <p:cNvSpPr/>
           <p:nvPr>
             <p:ph idx="2" type="sldImg"/>
@@ -1058,7 +1060,7 @@
       </p:sp>
       <p:sp>
         <p:nvSpPr>
-          <p:cNvPr id="152" name="Google Shape;152;g46739680ba_0_1371:notes"/>
+          <p:cNvPr id="143" name="Google Shape;143;gd5b15f0a3_5_26:notes"/>
           <p:cNvSpPr txBox="1"/>
           <p:nvPr>
             <p:ph idx="1" type="body"/>
@@ -1103,12 +1105,12 @@
 </p:notes>
 </file>
 
-<file path=ppt/notesSlides/notesSlide5.xml><?xml version="1.0" encoding="utf-8"?>
+<file path=ppt/notesSlides/notesSlide4.xml><?xml version="1.0" encoding="utf-8"?>
 <p:notes xmlns:a="http://schemas.openxmlformats.org/drawingml/2006/main" xmlns:r="http://schemas.openxmlformats.org/officeDocument/2006/relationships" xmlns:mc="http://schemas.openxmlformats.org/markup-compatibility/2006" xmlns:mv="urn:schemas-microsoft-com:mac:vml" xmlns:p="http://schemas.openxmlformats.org/presentationml/2006/main" xmlns:c="http://schemas.openxmlformats.org/drawingml/2006/chart" xmlns:dgm="http://schemas.openxmlformats.org/drawingml/2006/diagram" xmlns:o="urn:schemas-microsoft-com:office:office" xmlns:v="urn:schemas-microsoft-com:vml" xmlns:pvml="urn:schemas-microsoft-com:office:powerpoint" xmlns:com="http://schemas.openxmlformats.org/drawingml/2006/compatibility" xmlns:p14="http://schemas.microsoft.com/office/powerpoint/2010/main" xmlns:p15="http://schemas.microsoft.com/office/powerpoint/2012/main" showMasterPhAnim="0" showMasterSp="0">
   <p:cSld>
     <p:spTree>
       <p:nvGrpSpPr>
-        <p:cNvPr id="156" name="Shape 156"/>
+        <p:cNvPr id="149" name="Shape 149"/>
         <p:cNvGrpSpPr/>
         <p:nvPr/>
       </p:nvGrpSpPr>
@@ -1122,7 +1124,7 @@
       </p:grpSpPr>
       <p:sp>
         <p:nvSpPr>
-          <p:cNvPr id="157" name="Google Shape;157;gd251bb473_0_600:notes"/>
+          <p:cNvPr id="150" name="Google Shape;150;g723630543_3_0:notes"/>
           <p:cNvSpPr/>
           <p:nvPr>
             <p:ph idx="2" type="sldImg"/>
@@ -1157,7 +1159,106 @@
       </p:sp>
       <p:sp>
         <p:nvSpPr>
-          <p:cNvPr id="158" name="Google Shape;158;gd251bb473_0_600:notes"/>
+          <p:cNvPr id="151" name="Google Shape;151;g723630543_3_0:notes"/>
+          <p:cNvSpPr txBox="1"/>
+          <p:nvPr>
+            <p:ph idx="1" type="body"/>
+          </p:nvPr>
+        </p:nvSpPr>
+        <p:spPr>
+          <a:xfrm>
+            <a:off x="685800" y="4343400"/>
+            <a:ext cx="5486400" cy="4114800"/>
+          </a:xfrm>
+          <a:prstGeom prst="rect">
+            <a:avLst/>
+          </a:prstGeom>
+        </p:spPr>
+        <p:txBody>
+          <a:bodyPr anchorCtr="0" anchor="t" bIns="91425" lIns="91425" spcFirstLastPara="1" rIns="91425" wrap="square" tIns="91425">
+            <a:noAutofit/>
+          </a:bodyPr>
+          <a:lstStyle/>
+          <a:p>
+            <a:pPr indent="0" lvl="0" marL="0" rtl="0" algn="l">
+              <a:spcBef>
+                <a:spcPts val="0"/>
+              </a:spcBef>
+              <a:spcAft>
+                <a:spcPts val="0"/>
+              </a:spcAft>
+              <a:buNone/>
+            </a:pPr>
+            <a:r>
+              <a:t/>
+            </a:r>
+            <a:endParaRPr/>
+          </a:p>
+        </p:txBody>
+      </p:sp>
+    </p:spTree>
+  </p:cSld>
+  <p:clrMapOvr>
+    <a:masterClrMapping/>
+  </p:clrMapOvr>
+</p:notes>
+</file>
+
+<file path=ppt/notesSlides/notesSlide5.xml><?xml version="1.0" encoding="utf-8"?>
+<p:notes xmlns:a="http://schemas.openxmlformats.org/drawingml/2006/main" xmlns:r="http://schemas.openxmlformats.org/officeDocument/2006/relationships" xmlns:mc="http://schemas.openxmlformats.org/markup-compatibility/2006" xmlns:mv="urn:schemas-microsoft-com:mac:vml" xmlns:p="http://schemas.openxmlformats.org/presentationml/2006/main" xmlns:c="http://schemas.openxmlformats.org/drawingml/2006/chart" xmlns:dgm="http://schemas.openxmlformats.org/drawingml/2006/diagram" xmlns:o="urn:schemas-microsoft-com:office:office" xmlns:v="urn:schemas-microsoft-com:vml" xmlns:pvml="urn:schemas-microsoft-com:office:powerpoint" xmlns:com="http://schemas.openxmlformats.org/drawingml/2006/compatibility" xmlns:p14="http://schemas.microsoft.com/office/powerpoint/2010/main" xmlns:p15="http://schemas.microsoft.com/office/powerpoint/2012/main" showMasterPhAnim="0" showMasterSp="0">
+  <p:cSld>
+    <p:spTree>
+      <p:nvGrpSpPr>
+        <p:cNvPr id="155" name="Shape 155"/>
+        <p:cNvGrpSpPr/>
+        <p:nvPr/>
+      </p:nvGrpSpPr>
+      <p:grpSpPr>
+        <a:xfrm>
+          <a:off x="0" y="0"/>
+          <a:ext cx="0" cy="0"/>
+          <a:chOff x="0" y="0"/>
+          <a:chExt cx="0" cy="0"/>
+        </a:xfrm>
+      </p:grpSpPr>
+      <p:sp>
+        <p:nvSpPr>
+          <p:cNvPr id="156" name="Google Shape;156;g46739680ba_0_1371:notes"/>
+          <p:cNvSpPr/>
+          <p:nvPr>
+            <p:ph idx="2" type="sldImg"/>
+          </p:nvPr>
+        </p:nvSpPr>
+        <p:spPr>
+          <a:xfrm>
+            <a:off x="381300" y="685800"/>
+            <a:ext cx="6096000" cy="3429000"/>
+          </a:xfrm>
+          <a:custGeom>
+            <a:rect b="b" l="l" r="r" t="t"/>
+            <a:pathLst>
+              <a:path extrusionOk="0" h="120000" w="120000">
+                <a:moveTo>
+                  <a:pt x="0" y="0"/>
+                </a:moveTo>
+                <a:lnTo>
+                  <a:pt x="120000" y="0"/>
+                </a:lnTo>
+                <a:lnTo>
+                  <a:pt x="120000" y="120000"/>
+                </a:lnTo>
+                <a:lnTo>
+                  <a:pt x="0" y="120000"/>
+                </a:lnTo>
+                <a:close/>
+              </a:path>
+            </a:pathLst>
+          </a:custGeom>
+        </p:spPr>
+      </p:sp>
+      <p:sp>
+        <p:nvSpPr>
+          <p:cNvPr id="157" name="Google Shape;157;g46739680ba_0_1371:notes"/>
           <p:cNvSpPr txBox="1"/>
           <p:nvPr>
             <p:ph idx="1" type="body"/>
@@ -1221,7 +1322,7 @@
       </p:grpSpPr>
       <p:sp>
         <p:nvSpPr>
-          <p:cNvPr id="162" name="Google Shape;162;g46739680ba_0_1423:notes"/>
+          <p:cNvPr id="162" name="Google Shape;162;gd251bb473_0_600:notes"/>
           <p:cNvSpPr/>
           <p:nvPr>
             <p:ph idx="2" type="sldImg"/>
@@ -1256,7 +1357,7 @@
       </p:sp>
       <p:sp>
         <p:nvSpPr>
-          <p:cNvPr id="163" name="Google Shape;163;g46739680ba_0_1423:notes"/>
+          <p:cNvPr id="163" name="Google Shape;163;gd251bb473_0_600:notes"/>
           <p:cNvSpPr txBox="1"/>
           <p:nvPr>
             <p:ph idx="1" type="body"/>
@@ -1320,7 +1421,7 @@
       </p:grpSpPr>
       <p:sp>
         <p:nvSpPr>
-          <p:cNvPr id="167" name="Google Shape;167;g46739680ba_0_1427:notes"/>
+          <p:cNvPr id="167" name="Google Shape;167;g46739680ba_2_4:notes"/>
           <p:cNvSpPr/>
           <p:nvPr>
             <p:ph idx="2" type="sldImg"/>
@@ -1355,7 +1456,7 @@
       </p:sp>
       <p:sp>
         <p:nvSpPr>
-          <p:cNvPr id="168" name="Google Shape;168;g46739680ba_0_1427:notes"/>
+          <p:cNvPr id="168" name="Google Shape;168;g46739680ba_2_4:notes"/>
           <p:cNvSpPr txBox="1"/>
           <p:nvPr>
             <p:ph idx="1" type="body"/>
@@ -1419,7 +1520,7 @@
       </p:grpSpPr>
       <p:sp>
         <p:nvSpPr>
-          <p:cNvPr id="172" name="Google Shape;172;g46739680ba_0_1431:notes"/>
+          <p:cNvPr id="172" name="Google Shape;172;g46739680ba_0_1423:notes"/>
           <p:cNvSpPr/>
           <p:nvPr>
             <p:ph idx="2" type="sldImg"/>
@@ -1454,7 +1555,106 @@
       </p:sp>
       <p:sp>
         <p:nvSpPr>
-          <p:cNvPr id="173" name="Google Shape;173;g46739680ba_0_1431:notes"/>
+          <p:cNvPr id="173" name="Google Shape;173;g46739680ba_0_1423:notes"/>
+          <p:cNvSpPr txBox="1"/>
+          <p:nvPr>
+            <p:ph idx="1" type="body"/>
+          </p:nvPr>
+        </p:nvSpPr>
+        <p:spPr>
+          <a:xfrm>
+            <a:off x="685800" y="4343400"/>
+            <a:ext cx="5486400" cy="4114800"/>
+          </a:xfrm>
+          <a:prstGeom prst="rect">
+            <a:avLst/>
+          </a:prstGeom>
+        </p:spPr>
+        <p:txBody>
+          <a:bodyPr anchorCtr="0" anchor="t" bIns="91425" lIns="91425" spcFirstLastPara="1" rIns="91425" wrap="square" tIns="91425">
+            <a:noAutofit/>
+          </a:bodyPr>
+          <a:lstStyle/>
+          <a:p>
+            <a:pPr indent="0" lvl="0" marL="0" rtl="0" algn="l">
+              <a:spcBef>
+                <a:spcPts val="0"/>
+              </a:spcBef>
+              <a:spcAft>
+                <a:spcPts val="0"/>
+              </a:spcAft>
+              <a:buNone/>
+            </a:pPr>
+            <a:r>
+              <a:t/>
+            </a:r>
+            <a:endParaRPr/>
+          </a:p>
+        </p:txBody>
+      </p:sp>
+    </p:spTree>
+  </p:cSld>
+  <p:clrMapOvr>
+    <a:masterClrMapping/>
+  </p:clrMapOvr>
+</p:notes>
+</file>
+
+<file path=ppt/notesSlides/notesSlide9.xml><?xml version="1.0" encoding="utf-8"?>
+<p:notes xmlns:a="http://schemas.openxmlformats.org/drawingml/2006/main" xmlns:r="http://schemas.openxmlformats.org/officeDocument/2006/relationships" xmlns:mc="http://schemas.openxmlformats.org/markup-compatibility/2006" xmlns:mv="urn:schemas-microsoft-com:mac:vml" xmlns:p="http://schemas.openxmlformats.org/presentationml/2006/main" xmlns:c="http://schemas.openxmlformats.org/drawingml/2006/chart" xmlns:dgm="http://schemas.openxmlformats.org/drawingml/2006/diagram" xmlns:o="urn:schemas-microsoft-com:office:office" xmlns:v="urn:schemas-microsoft-com:vml" xmlns:pvml="urn:schemas-microsoft-com:office:powerpoint" xmlns:com="http://schemas.openxmlformats.org/drawingml/2006/compatibility" xmlns:p14="http://schemas.microsoft.com/office/powerpoint/2010/main" xmlns:p15="http://schemas.microsoft.com/office/powerpoint/2012/main" showMasterPhAnim="0" showMasterSp="0">
+  <p:cSld>
+    <p:spTree>
+      <p:nvGrpSpPr>
+        <p:cNvPr id="176" name="Shape 176"/>
+        <p:cNvGrpSpPr/>
+        <p:nvPr/>
+      </p:nvGrpSpPr>
+      <p:grpSpPr>
+        <a:xfrm>
+          <a:off x="0" y="0"/>
+          <a:ext cx="0" cy="0"/>
+          <a:chOff x="0" y="0"/>
+          <a:chExt cx="0" cy="0"/>
+        </a:xfrm>
+      </p:grpSpPr>
+      <p:sp>
+        <p:nvSpPr>
+          <p:cNvPr id="177" name="Google Shape;177;g46739680ba_0_1427:notes"/>
+          <p:cNvSpPr/>
+          <p:nvPr>
+            <p:ph idx="2" type="sldImg"/>
+          </p:nvPr>
+        </p:nvSpPr>
+        <p:spPr>
+          <a:xfrm>
+            <a:off x="381300" y="685800"/>
+            <a:ext cx="6096000" cy="3429000"/>
+          </a:xfrm>
+          <a:custGeom>
+            <a:rect b="b" l="l" r="r" t="t"/>
+            <a:pathLst>
+              <a:path extrusionOk="0" h="120000" w="120000">
+                <a:moveTo>
+                  <a:pt x="0" y="0"/>
+                </a:moveTo>
+                <a:lnTo>
+                  <a:pt x="120000" y="0"/>
+                </a:lnTo>
+                <a:lnTo>
+                  <a:pt x="120000" y="120000"/>
+                </a:lnTo>
+                <a:lnTo>
+                  <a:pt x="0" y="120000"/>
+                </a:lnTo>
+                <a:close/>
+              </a:path>
+            </a:pathLst>
+          </a:custGeom>
+        </p:spPr>
+      </p:sp>
+      <p:sp>
+        <p:nvSpPr>
+          <p:cNvPr id="178" name="Google Shape;178;g46739680ba_0_1427:notes"/>
           <p:cNvSpPr txBox="1"/>
           <p:nvPr>
             <p:ph idx="1" type="body"/>
@@ -9733,7 +9933,11 @@
             </a:pPr>
             <a:r>
               <a:rPr lang="en" sz="2400"/>
-              <a:t>By Team (11) </a:t>
+              <a:t>By </a:t>
+            </a:r>
+            <a:r>
+              <a:rPr lang="en" sz="2400"/>
+              <a:t>Team 11</a:t>
             </a:r>
             <a:endParaRPr sz="2400"/>
           </a:p>
@@ -9752,6 +9956,158 @@
               <a:t>Monkey See Monkey Do</a:t>
             </a:r>
             <a:endParaRPr b="1" sz="2400"/>
+          </a:p>
+        </p:txBody>
+      </p:sp>
+    </p:spTree>
+  </p:cSld>
+  <p:clrMapOvr>
+    <a:masterClrMapping/>
+  </p:clrMapOvr>
+</p:sld>
+</file>
+
+<file path=ppt/slides/slide10.xml><?xml version="1.0" encoding="utf-8"?>
+<p:sld xmlns:a="http://schemas.openxmlformats.org/drawingml/2006/main" xmlns:r="http://schemas.openxmlformats.org/officeDocument/2006/relationships" xmlns:mc="http://schemas.openxmlformats.org/markup-compatibility/2006" xmlns:mv="urn:schemas-microsoft-com:mac:vml" xmlns:p="http://schemas.openxmlformats.org/presentationml/2006/main" xmlns:c="http://schemas.openxmlformats.org/drawingml/2006/chart" xmlns:dgm="http://schemas.openxmlformats.org/drawingml/2006/diagram" xmlns:o="urn:schemas-microsoft-com:office:office" xmlns:v="urn:schemas-microsoft-com:vml" xmlns:pvml="urn:schemas-microsoft-com:office:powerpoint" xmlns:com="http://schemas.openxmlformats.org/drawingml/2006/compatibility" xmlns:p14="http://schemas.microsoft.com/office/powerpoint/2010/main" xmlns:p15="http://schemas.microsoft.com/office/powerpoint/2012/main">
+  <p:cSld>
+    <p:spTree>
+      <p:nvGrpSpPr>
+        <p:cNvPr id="184" name="Shape 184"/>
+        <p:cNvGrpSpPr/>
+        <p:nvPr/>
+      </p:nvGrpSpPr>
+      <p:grpSpPr>
+        <a:xfrm>
+          <a:off x="0" y="0"/>
+          <a:ext cx="0" cy="0"/>
+          <a:chOff x="0" y="0"/>
+          <a:chExt cx="0" cy="0"/>
+        </a:xfrm>
+      </p:grpSpPr>
+      <p:sp>
+        <p:nvSpPr>
+          <p:cNvPr id="185" name="Google Shape;185;p22"/>
+          <p:cNvSpPr txBox="1"/>
+          <p:nvPr>
+            <p:ph type="title"/>
+          </p:nvPr>
+        </p:nvSpPr>
+        <p:spPr>
+          <a:xfrm>
+            <a:off x="721200" y="187750"/>
+            <a:ext cx="7701600" cy="4284900"/>
+          </a:xfrm>
+          <a:prstGeom prst="rect">
+            <a:avLst/>
+          </a:prstGeom>
+        </p:spPr>
+        <p:txBody>
+          <a:bodyPr anchorCtr="0" anchor="ctr" bIns="91425" lIns="91425" spcFirstLastPara="1" rIns="91425" wrap="square" tIns="91425">
+            <a:noAutofit/>
+          </a:bodyPr>
+          <a:lstStyle/>
+          <a:p>
+            <a:pPr indent="0" lvl="0" marL="0" rtl="0" algn="l">
+              <a:spcBef>
+                <a:spcPts val="0"/>
+              </a:spcBef>
+              <a:spcAft>
+                <a:spcPts val="0"/>
+              </a:spcAft>
+              <a:buNone/>
+            </a:pPr>
+            <a:r>
+              <a:rPr lang="en"/>
+              <a:t>Lessons we learned</a:t>
+            </a:r>
+            <a:r>
+              <a:rPr lang="en"/>
+              <a:t>:</a:t>
+            </a:r>
+            <a:endParaRPr/>
+          </a:p>
+          <a:p>
+            <a:pPr indent="0" lvl="0" marL="0" rtl="0" algn="l">
+              <a:spcBef>
+                <a:spcPts val="0"/>
+              </a:spcBef>
+              <a:spcAft>
+                <a:spcPts val="0"/>
+              </a:spcAft>
+              <a:buNone/>
+            </a:pPr>
+            <a:r>
+              <a:t/>
+            </a:r>
+            <a:endParaRPr/>
+          </a:p>
+          <a:p>
+            <a:pPr indent="-406400" lvl="0" marL="457200" rtl="0" algn="l">
+              <a:spcBef>
+                <a:spcPts val="0"/>
+              </a:spcBef>
+              <a:spcAft>
+                <a:spcPts val="0"/>
+              </a:spcAft>
+              <a:buSzPts val="2800"/>
+              <a:buChar char="●"/>
+            </a:pPr>
+            <a:r>
+              <a:rPr lang="en"/>
+              <a:t>Communication is key</a:t>
+            </a:r>
+            <a:endParaRPr/>
+          </a:p>
+          <a:p>
+            <a:pPr indent="-406400" lvl="0" marL="457200" rtl="0" algn="l">
+              <a:spcBef>
+                <a:spcPts val="0"/>
+              </a:spcBef>
+              <a:spcAft>
+                <a:spcPts val="0"/>
+              </a:spcAft>
+              <a:buSzPts val="2800"/>
+              <a:buChar char="●"/>
+            </a:pPr>
+            <a:r>
+              <a:rPr lang="en"/>
+              <a:t>Teamwork and collaboration help the process</a:t>
+            </a:r>
+            <a:endParaRPr/>
+          </a:p>
+          <a:p>
+            <a:pPr indent="-406400" lvl="0" marL="457200" rtl="0" algn="l">
+              <a:spcBef>
+                <a:spcPts val="0"/>
+              </a:spcBef>
+              <a:spcAft>
+                <a:spcPts val="0"/>
+              </a:spcAft>
+              <a:buSzPts val="2800"/>
+              <a:buChar char="●"/>
+            </a:pPr>
+            <a:r>
+              <a:rPr lang="en"/>
+              <a:t>Combating climate change starts with changing our behavior </a:t>
+            </a:r>
+            <a:endParaRPr/>
+          </a:p>
+          <a:p>
+            <a:pPr indent="-406400" lvl="0" marL="457200" rtl="0" algn="l">
+              <a:spcBef>
+                <a:spcPts val="0"/>
+              </a:spcBef>
+              <a:spcAft>
+                <a:spcPts val="0"/>
+              </a:spcAft>
+              <a:buSzPts val="2800"/>
+              <a:buChar char="●"/>
+            </a:pPr>
+            <a:r>
+              <a:rPr lang="en"/>
+              <a:t>Don’t look at the commits leaderboard</a:t>
+            </a:r>
+            <a:endParaRPr/>
           </a:p>
         </p:txBody>
       </p:sp>
@@ -9785,6 +10141,156 @@
           <p:cNvPr id="140" name="Google Shape;140;p14"/>
           <p:cNvSpPr txBox="1"/>
           <p:nvPr>
+            <p:ph type="title"/>
+          </p:nvPr>
+        </p:nvSpPr>
+        <p:spPr>
+          <a:xfrm>
+            <a:off x="823850" y="866775"/>
+            <a:ext cx="4587000" cy="3521100"/>
+          </a:xfrm>
+          <a:prstGeom prst="rect">
+            <a:avLst/>
+          </a:prstGeom>
+        </p:spPr>
+        <p:txBody>
+          <a:bodyPr anchorCtr="0" anchor="ctr" bIns="91425" lIns="91425" spcFirstLastPara="1" rIns="91425" wrap="square" tIns="91425">
+            <a:noAutofit/>
+          </a:bodyPr>
+          <a:lstStyle/>
+          <a:p>
+            <a:pPr indent="0" lvl="0" marL="0" rtl="0" algn="l">
+              <a:spcBef>
+                <a:spcPts val="0"/>
+              </a:spcBef>
+              <a:spcAft>
+                <a:spcPts val="0"/>
+              </a:spcAft>
+              <a:buNone/>
+            </a:pPr>
+            <a:r>
+              <a:rPr lang="en"/>
+              <a:t>Team Members:</a:t>
+            </a:r>
+            <a:endParaRPr/>
+          </a:p>
+          <a:p>
+            <a:pPr indent="-406400" lvl="0" marL="457200" rtl="0" algn="l">
+              <a:spcBef>
+                <a:spcPts val="0"/>
+              </a:spcBef>
+              <a:spcAft>
+                <a:spcPts val="0"/>
+              </a:spcAft>
+              <a:buSzPts val="2800"/>
+              <a:buChar char="●"/>
+            </a:pPr>
+            <a:r>
+              <a:rPr lang="en"/>
+              <a:t>Yiu Chung Yau</a:t>
+            </a:r>
+            <a:endParaRPr/>
+          </a:p>
+          <a:p>
+            <a:pPr indent="-406400" lvl="0" marL="457200" rtl="0" algn="l">
+              <a:spcBef>
+                <a:spcPts val="0"/>
+              </a:spcBef>
+              <a:spcAft>
+                <a:spcPts val="0"/>
+              </a:spcAft>
+              <a:buSzPts val="2800"/>
+              <a:buChar char="●"/>
+            </a:pPr>
+            <a:r>
+              <a:rPr lang="en"/>
+              <a:t>Karishma Muni</a:t>
+            </a:r>
+            <a:endParaRPr/>
+          </a:p>
+          <a:p>
+            <a:pPr indent="-406400" lvl="0" marL="457200" rtl="0" algn="l">
+              <a:spcBef>
+                <a:spcPts val="0"/>
+              </a:spcBef>
+              <a:spcAft>
+                <a:spcPts val="0"/>
+              </a:spcAft>
+              <a:buSzPts val="2800"/>
+              <a:buChar char="●"/>
+            </a:pPr>
+            <a:r>
+              <a:rPr lang="en"/>
+              <a:t>Joel George</a:t>
+            </a:r>
+            <a:endParaRPr/>
+          </a:p>
+          <a:p>
+            <a:pPr indent="-406400" lvl="0" marL="457200" rtl="0" algn="l">
+              <a:spcBef>
+                <a:spcPts val="0"/>
+              </a:spcBef>
+              <a:spcAft>
+                <a:spcPts val="0"/>
+              </a:spcAft>
+              <a:buSzPts val="2800"/>
+              <a:buChar char="●"/>
+            </a:pPr>
+            <a:r>
+              <a:rPr lang="en"/>
+              <a:t>Nelson Zeas</a:t>
+            </a:r>
+            <a:endParaRPr/>
+          </a:p>
+          <a:p>
+            <a:pPr indent="-406400" lvl="0" marL="457200" rtl="0" algn="l">
+              <a:spcBef>
+                <a:spcPts val="0"/>
+              </a:spcBef>
+              <a:spcAft>
+                <a:spcPts val="0"/>
+              </a:spcAft>
+              <a:buSzPts val="2800"/>
+              <a:buChar char="●"/>
+            </a:pPr>
+            <a:r>
+              <a:rPr lang="en"/>
+              <a:t>Shinan Liu</a:t>
+            </a:r>
+            <a:endParaRPr/>
+          </a:p>
+        </p:txBody>
+      </p:sp>
+    </p:spTree>
+  </p:cSld>
+  <p:clrMapOvr>
+    <a:masterClrMapping/>
+  </p:clrMapOvr>
+</p:sld>
+</file>
+
+<file path=ppt/slides/slide3.xml><?xml version="1.0" encoding="utf-8"?>
+<p:sld xmlns:a="http://schemas.openxmlformats.org/drawingml/2006/main" xmlns:r="http://schemas.openxmlformats.org/officeDocument/2006/relationships" xmlns:mc="http://schemas.openxmlformats.org/markup-compatibility/2006" xmlns:mv="urn:schemas-microsoft-com:mac:vml" xmlns:p="http://schemas.openxmlformats.org/presentationml/2006/main" xmlns:c="http://schemas.openxmlformats.org/drawingml/2006/chart" xmlns:dgm="http://schemas.openxmlformats.org/drawingml/2006/diagram" xmlns:o="urn:schemas-microsoft-com:office:office" xmlns:v="urn:schemas-microsoft-com:vml" xmlns:pvml="urn:schemas-microsoft-com:office:powerpoint" xmlns:com="http://schemas.openxmlformats.org/drawingml/2006/compatibility" xmlns:p14="http://schemas.microsoft.com/office/powerpoint/2010/main" xmlns:p15="http://schemas.microsoft.com/office/powerpoint/2012/main">
+  <p:cSld>
+    <p:spTree>
+      <p:nvGrpSpPr>
+        <p:cNvPr id="144" name="Shape 144"/>
+        <p:cNvGrpSpPr/>
+        <p:nvPr/>
+      </p:nvGrpSpPr>
+      <p:grpSpPr>
+        <a:xfrm>
+          <a:off x="0" y="0"/>
+          <a:ext cx="0" cy="0"/>
+          <a:chOff x="0" y="0"/>
+          <a:chExt cx="0" cy="0"/>
+        </a:xfrm>
+      </p:grpSpPr>
+      <p:sp>
+        <p:nvSpPr>
+          <p:cNvPr id="145" name="Google Shape;145;p15"/>
+          <p:cNvSpPr txBox="1"/>
+          <p:nvPr>
             <p:ph idx="4294967295" type="title"/>
           </p:nvPr>
         </p:nvSpPr>
@@ -9831,7 +10337,7 @@
       </p:sp>
       <p:sp>
         <p:nvSpPr>
-          <p:cNvPr id="141" name="Google Shape;141;p14"/>
+          <p:cNvPr id="146" name="Google Shape;146;p15"/>
           <p:cNvSpPr txBox="1"/>
           <p:nvPr>
             <p:ph idx="4294967295" type="title"/>
@@ -9959,7 +10465,7 @@
       </p:sp>
       <p:pic>
         <p:nvPicPr>
-          <p:cNvPr id="142" name="Google Shape;142;p14"/>
+          <p:cNvPr id="147" name="Google Shape;147;p15"/>
           <p:cNvPicPr preferRelativeResize="0"/>
           <p:nvPr/>
         </p:nvPicPr>
@@ -9987,7 +10493,7 @@
       </p:pic>
       <p:pic>
         <p:nvPicPr>
-          <p:cNvPr id="143" name="Google Shape;143;p14"/>
+          <p:cNvPr id="148" name="Google Shape;148;p15"/>
           <p:cNvPicPr preferRelativeResize="0"/>
           <p:nvPr/>
         </p:nvPicPr>
@@ -10021,7 +10527,7 @@
 </p:sld>
 </file>
 
-<file path=ppt/slides/slide3.xml><?xml version="1.0" encoding="utf-8"?>
+<file path=ppt/slides/slide4.xml><?xml version="1.0" encoding="utf-8"?>
 <p:sld xmlns:a="http://schemas.openxmlformats.org/drawingml/2006/main" xmlns:r="http://schemas.openxmlformats.org/officeDocument/2006/relationships" xmlns:mc="http://schemas.openxmlformats.org/markup-compatibility/2006" xmlns:mv="urn:schemas-microsoft-com:mac:vml" xmlns:p="http://schemas.openxmlformats.org/presentationml/2006/main" xmlns:c="http://schemas.openxmlformats.org/drawingml/2006/chart" xmlns:dgm="http://schemas.openxmlformats.org/drawingml/2006/diagram" xmlns:o="urn:schemas-microsoft-com:office:office" xmlns:v="urn:schemas-microsoft-com:vml" xmlns:pvml="urn:schemas-microsoft-com:office:powerpoint" xmlns:com="http://schemas.openxmlformats.org/drawingml/2006/compatibility" xmlns:p14="http://schemas.microsoft.com/office/powerpoint/2010/main" xmlns:p15="http://schemas.microsoft.com/office/powerpoint/2012/main">
   <p:cSld>
     <p:bg>
@@ -10033,7 +10539,7 @@
     </p:bg>
     <p:spTree>
       <p:nvGrpSpPr>
-        <p:cNvPr id="147" name="Shape 147"/>
+        <p:cNvPr id="152" name="Shape 152"/>
         <p:cNvGrpSpPr/>
         <p:nvPr/>
       </p:nvGrpSpPr>
@@ -10047,7 +10553,7 @@
       </p:grpSpPr>
       <p:pic>
         <p:nvPicPr>
-          <p:cNvPr id="148" name="Google Shape;148;p15"/>
+          <p:cNvPr id="153" name="Google Shape;153;p16"/>
           <p:cNvPicPr preferRelativeResize="0"/>
           <p:nvPr/>
         </p:nvPicPr>
@@ -10074,7 +10580,7 @@
       </p:pic>
       <p:pic>
         <p:nvPicPr>
-          <p:cNvPr id="149" name="Google Shape;149;p15"/>
+          <p:cNvPr id="154" name="Google Shape;154;p16"/>
           <p:cNvPicPr preferRelativeResize="0"/>
           <p:nvPr/>
         </p:nvPicPr>
@@ -10108,12 +10614,12 @@
 </p:sld>
 </file>
 
-<file path=ppt/slides/slide4.xml><?xml version="1.0" encoding="utf-8"?>
+<file path=ppt/slides/slide5.xml><?xml version="1.0" encoding="utf-8"?>
 <p:sld xmlns:a="http://schemas.openxmlformats.org/drawingml/2006/main" xmlns:r="http://schemas.openxmlformats.org/officeDocument/2006/relationships" xmlns:mc="http://schemas.openxmlformats.org/markup-compatibility/2006" xmlns:mv="urn:schemas-microsoft-com:mac:vml" xmlns:p="http://schemas.openxmlformats.org/presentationml/2006/main" xmlns:c="http://schemas.openxmlformats.org/drawingml/2006/chart" xmlns:dgm="http://schemas.openxmlformats.org/drawingml/2006/diagram" xmlns:o="urn:schemas-microsoft-com:office:office" xmlns:v="urn:schemas-microsoft-com:vml" xmlns:pvml="urn:schemas-microsoft-com:office:powerpoint" xmlns:com="http://schemas.openxmlformats.org/drawingml/2006/compatibility" xmlns:p14="http://schemas.microsoft.com/office/powerpoint/2010/main" xmlns:p15="http://schemas.microsoft.com/office/powerpoint/2012/main">
   <p:cSld>
     <p:spTree>
       <p:nvGrpSpPr>
-        <p:cNvPr id="153" name="Shape 153"/>
+        <p:cNvPr id="158" name="Shape 158"/>
         <p:cNvGrpSpPr/>
         <p:nvPr/>
       </p:nvGrpSpPr>
@@ -10127,7 +10633,7 @@
       </p:grpSpPr>
       <p:pic>
         <p:nvPicPr>
-          <p:cNvPr id="154" name="Google Shape;154;p16"/>
+          <p:cNvPr id="159" name="Google Shape;159;p17"/>
           <p:cNvPicPr preferRelativeResize="0"/>
           <p:nvPr/>
         </p:nvPicPr>
@@ -10154,7 +10660,7 @@
       </p:pic>
       <p:sp>
         <p:nvSpPr>
-          <p:cNvPr id="155" name="Google Shape;155;p16"/>
+          <p:cNvPr id="160" name="Google Shape;160;p17"/>
           <p:cNvSpPr txBox="1"/>
           <p:nvPr/>
         </p:nvSpPr>
@@ -10222,233 +10728,6 @@
               <a:t/>
             </a:r>
             <a:endParaRPr/>
-          </a:p>
-        </p:txBody>
-      </p:sp>
-    </p:spTree>
-  </p:cSld>
-  <p:clrMapOvr>
-    <a:masterClrMapping/>
-  </p:clrMapOvr>
-</p:sld>
-</file>
-
-<file path=ppt/slides/slide5.xml><?xml version="1.0" encoding="utf-8"?>
-<p:sld xmlns:a="http://schemas.openxmlformats.org/drawingml/2006/main" xmlns:r="http://schemas.openxmlformats.org/officeDocument/2006/relationships" xmlns:mc="http://schemas.openxmlformats.org/markup-compatibility/2006" xmlns:mv="urn:schemas-microsoft-com:mac:vml" xmlns:p="http://schemas.openxmlformats.org/presentationml/2006/main" xmlns:c="http://schemas.openxmlformats.org/drawingml/2006/chart" xmlns:dgm="http://schemas.openxmlformats.org/drawingml/2006/diagram" xmlns:o="urn:schemas-microsoft-com:office:office" xmlns:v="urn:schemas-microsoft-com:vml" xmlns:pvml="urn:schemas-microsoft-com:office:powerpoint" xmlns:com="http://schemas.openxmlformats.org/drawingml/2006/compatibility" xmlns:p14="http://schemas.microsoft.com/office/powerpoint/2010/main" xmlns:p15="http://schemas.microsoft.com/office/powerpoint/2012/main">
-  <p:cSld>
-    <p:spTree>
-      <p:nvGrpSpPr>
-        <p:cNvPr id="159" name="Shape 159"/>
-        <p:cNvGrpSpPr/>
-        <p:nvPr/>
-      </p:nvGrpSpPr>
-      <p:grpSpPr>
-        <a:xfrm>
-          <a:off x="0" y="0"/>
-          <a:ext cx="0" cy="0"/>
-          <a:chOff x="0" y="0"/>
-          <a:chExt cx="0" cy="0"/>
-        </a:xfrm>
-      </p:grpSpPr>
-      <p:sp>
-        <p:nvSpPr>
-          <p:cNvPr id="160" name="Google Shape;160;p17"/>
-          <p:cNvSpPr txBox="1"/>
-          <p:nvPr>
-            <p:ph type="title"/>
-          </p:nvPr>
-        </p:nvSpPr>
-        <p:spPr>
-          <a:xfrm>
-            <a:off x="256200" y="375050"/>
-            <a:ext cx="8631600" cy="3835500"/>
-          </a:xfrm>
-          <a:prstGeom prst="rect">
-            <a:avLst/>
-          </a:prstGeom>
-        </p:spPr>
-        <p:txBody>
-          <a:bodyPr anchorCtr="0" anchor="t" bIns="91425" lIns="91425" spcFirstLastPara="1" rIns="91425" wrap="square" tIns="91425">
-            <a:noAutofit/>
-          </a:bodyPr>
-          <a:lstStyle/>
-          <a:p>
-            <a:pPr indent="0" lvl="0" marL="0" rtl="0" algn="l">
-              <a:spcBef>
-                <a:spcPts val="0"/>
-              </a:spcBef>
-              <a:spcAft>
-                <a:spcPts val="0"/>
-              </a:spcAft>
-              <a:buNone/>
-            </a:pPr>
-            <a:r>
-              <a:rPr lang="en" sz="3000">
-                <a:latin typeface="Lato"/>
-                <a:ea typeface="Lato"/>
-                <a:cs typeface="Lato"/>
-                <a:sym typeface="Lato"/>
-              </a:rPr>
-              <a:t>Viral movements such as the Ice Bucket Challenge to combat ALS took social media platforms by storm.</a:t>
-            </a:r>
-            <a:endParaRPr sz="3000">
-              <a:latin typeface="Lato"/>
-              <a:ea typeface="Lato"/>
-              <a:cs typeface="Lato"/>
-              <a:sym typeface="Lato"/>
-            </a:endParaRPr>
-          </a:p>
-          <a:p>
-            <a:pPr indent="0" lvl="0" marL="0" rtl="0" algn="l">
-              <a:spcBef>
-                <a:spcPts val="0"/>
-              </a:spcBef>
-              <a:spcAft>
-                <a:spcPts val="0"/>
-              </a:spcAft>
-              <a:buNone/>
-            </a:pPr>
-            <a:r>
-              <a:t/>
-            </a:r>
-            <a:endParaRPr sz="3000">
-              <a:latin typeface="Lato"/>
-              <a:ea typeface="Lato"/>
-              <a:cs typeface="Lato"/>
-              <a:sym typeface="Lato"/>
-            </a:endParaRPr>
-          </a:p>
-          <a:p>
-            <a:pPr indent="0" lvl="0" marL="0" rtl="0" algn="l">
-              <a:spcBef>
-                <a:spcPts val="0"/>
-              </a:spcBef>
-              <a:spcAft>
-                <a:spcPts val="0"/>
-              </a:spcAft>
-              <a:buNone/>
-            </a:pPr>
-            <a:r>
-              <a:rPr lang="en" sz="3000">
-                <a:latin typeface="Lato"/>
-                <a:ea typeface="Lato"/>
-                <a:cs typeface="Lato"/>
-                <a:sym typeface="Lato"/>
-              </a:rPr>
-              <a:t>Our Solution: A website to keep people engaged with a myriad of climate conservation movements using social influence. </a:t>
-            </a:r>
-            <a:endParaRPr sz="3000">
-              <a:latin typeface="Lato"/>
-              <a:ea typeface="Lato"/>
-              <a:cs typeface="Lato"/>
-              <a:sym typeface="Lato"/>
-            </a:endParaRPr>
-          </a:p>
-          <a:p>
-            <a:pPr indent="0" lvl="0" marL="0" rtl="0" algn="l">
-              <a:spcBef>
-                <a:spcPts val="0"/>
-              </a:spcBef>
-              <a:spcAft>
-                <a:spcPts val="0"/>
-              </a:spcAft>
-              <a:buNone/>
-            </a:pPr>
-            <a:r>
-              <a:t/>
-            </a:r>
-            <a:endParaRPr sz="3000">
-              <a:latin typeface="Lato"/>
-              <a:ea typeface="Lato"/>
-              <a:cs typeface="Lato"/>
-              <a:sym typeface="Lato"/>
-            </a:endParaRPr>
-          </a:p>
-          <a:p>
-            <a:pPr indent="0" lvl="0" marL="0" rtl="0" algn="l">
-              <a:spcBef>
-                <a:spcPts val="0"/>
-              </a:spcBef>
-              <a:spcAft>
-                <a:spcPts val="0"/>
-              </a:spcAft>
-              <a:buNone/>
-            </a:pPr>
-            <a:r>
-              <a:rPr lang="en" sz="3000">
-                <a:latin typeface="Lato"/>
-                <a:ea typeface="Lato"/>
-                <a:cs typeface="Lato"/>
-                <a:sym typeface="Lato"/>
-              </a:rPr>
-              <a:t>Website/App: ChallengeMonkey</a:t>
-            </a:r>
-            <a:endParaRPr sz="3000">
-              <a:latin typeface="Lato"/>
-              <a:ea typeface="Lato"/>
-              <a:cs typeface="Lato"/>
-              <a:sym typeface="Lato"/>
-            </a:endParaRPr>
-          </a:p>
-          <a:p>
-            <a:pPr indent="0" lvl="0" marL="0" rtl="0" algn="l">
-              <a:spcBef>
-                <a:spcPts val="0"/>
-              </a:spcBef>
-              <a:spcAft>
-                <a:spcPts val="0"/>
-              </a:spcAft>
-              <a:buNone/>
-            </a:pPr>
-            <a:r>
-              <a:t/>
-            </a:r>
-            <a:endParaRPr sz="3000">
-              <a:latin typeface="Lato"/>
-              <a:ea typeface="Lato"/>
-              <a:cs typeface="Lato"/>
-              <a:sym typeface="Lato"/>
-            </a:endParaRPr>
-          </a:p>
-          <a:p>
-            <a:pPr indent="0" lvl="0" marL="0" rtl="0" algn="l">
-              <a:spcBef>
-                <a:spcPts val="0"/>
-              </a:spcBef>
-              <a:spcAft>
-                <a:spcPts val="0"/>
-              </a:spcAft>
-              <a:buNone/>
-            </a:pPr>
-            <a:r>
-              <a:t/>
-            </a:r>
-            <a:endParaRPr sz="2400">
-              <a:latin typeface="Lato"/>
-              <a:ea typeface="Lato"/>
-              <a:cs typeface="Lato"/>
-              <a:sym typeface="Lato"/>
-            </a:endParaRPr>
-          </a:p>
-          <a:p>
-            <a:pPr indent="0" lvl="0" marL="0" rtl="0" algn="l">
-              <a:spcBef>
-                <a:spcPts val="0"/>
-              </a:spcBef>
-              <a:spcAft>
-                <a:spcPts val="0"/>
-              </a:spcAft>
-              <a:buNone/>
-            </a:pPr>
-            <a:r>
-              <a:t/>
-            </a:r>
-            <a:endParaRPr sz="3000">
-              <a:latin typeface="Lato"/>
-              <a:ea typeface="Lato"/>
-              <a:cs typeface="Lato"/>
-              <a:sym typeface="Lato"/>
-            </a:endParaRPr>
           </a:p>
         </p:txBody>
       </p:sp>
@@ -10487,15 +10766,15 @@
         </p:nvSpPr>
         <p:spPr>
           <a:xfrm>
-            <a:off x="823850" y="866775"/>
-            <a:ext cx="8022000" cy="3521100"/>
+            <a:off x="256200" y="375050"/>
+            <a:ext cx="8631600" cy="3835500"/>
           </a:xfrm>
           <a:prstGeom prst="rect">
             <a:avLst/>
           </a:prstGeom>
         </p:spPr>
         <p:txBody>
-          <a:bodyPr anchorCtr="0" anchor="ctr" bIns="91425" lIns="91425" spcFirstLastPara="1" rIns="91425" wrap="square" tIns="91425">
+          <a:bodyPr anchorCtr="0" anchor="t" bIns="91425" lIns="91425" spcFirstLastPara="1" rIns="91425" wrap="square" tIns="91425">
             <a:noAutofit/>
           </a:bodyPr>
           <a:lstStyle/>
@@ -10510,10 +10789,20 @@
               <a:buNone/>
             </a:pPr>
             <a:r>
-              <a:rPr lang="en"/>
-              <a:t>Challenges/Problems:</a:t>
+              <a:rPr lang="en" sz="3000">
+                <a:latin typeface="Lato"/>
+                <a:ea typeface="Lato"/>
+                <a:cs typeface="Lato"/>
+                <a:sym typeface="Lato"/>
+              </a:rPr>
+              <a:t>Viral movements such as the Ice Bucket Challenge to combat ALS took social media platforms by storm.</a:t>
             </a:r>
-            <a:endParaRPr/>
+            <a:endParaRPr sz="3000">
+              <a:latin typeface="Lato"/>
+              <a:ea typeface="Lato"/>
+              <a:cs typeface="Lato"/>
+              <a:sym typeface="Lato"/>
+            </a:endParaRPr>
           </a:p>
           <a:p>
             <a:pPr indent="0" lvl="0" marL="0" rtl="0" algn="l">
@@ -10528,24 +10817,38 @@
             <a:r>
               <a:t/>
             </a:r>
-            <a:endParaRPr/>
+            <a:endParaRPr sz="3000">
+              <a:latin typeface="Lato"/>
+              <a:ea typeface="Lato"/>
+              <a:cs typeface="Lato"/>
+              <a:sym typeface="Lato"/>
+            </a:endParaRPr>
           </a:p>
           <a:p>
-            <a:pPr indent="-406400" lvl="0" marL="457200" rtl="0" algn="l">
-              <a:spcBef>
-                <a:spcPts val="0"/>
-              </a:spcBef>
-              <a:spcAft>
-                <a:spcPts val="0"/>
-              </a:spcAft>
-              <a:buSzPts val="2800"/>
-              <a:buChar char="●"/>
+            <a:pPr indent="0" lvl="0" marL="0" rtl="0" algn="l">
+              <a:spcBef>
+                <a:spcPts val="0"/>
+              </a:spcBef>
+              <a:spcAft>
+                <a:spcPts val="0"/>
+              </a:spcAft>
+              <a:buNone/>
             </a:pPr>
             <a:r>
-              <a:rPr lang="en"/>
-              <a:t>We began our project by developing an iOS app, but ran into collaborative issues on Github. </a:t>
+              <a:rPr lang="en" sz="3000">
+                <a:latin typeface="Lato"/>
+                <a:ea typeface="Lato"/>
+                <a:cs typeface="Lato"/>
+                <a:sym typeface="Lato"/>
+              </a:rPr>
+              <a:t>Our Solution: A website to keep people engaged with a myriad of climate conservation movements using social influence. </a:t>
             </a:r>
-            <a:endParaRPr/>
+            <a:endParaRPr sz="3000">
+              <a:latin typeface="Lato"/>
+              <a:ea typeface="Lato"/>
+              <a:cs typeface="Lato"/>
+              <a:sym typeface="Lato"/>
+            </a:endParaRPr>
           </a:p>
           <a:p>
             <a:pPr indent="0" lvl="0" marL="0" rtl="0" algn="l">
@@ -10560,24 +10863,38 @@
             <a:r>
               <a:t/>
             </a:r>
-            <a:endParaRPr/>
+            <a:endParaRPr sz="3000">
+              <a:latin typeface="Lato"/>
+              <a:ea typeface="Lato"/>
+              <a:cs typeface="Lato"/>
+              <a:sym typeface="Lato"/>
+            </a:endParaRPr>
           </a:p>
           <a:p>
-            <a:pPr indent="-406400" lvl="0" marL="457200" rtl="0" algn="l">
-              <a:spcBef>
-                <a:spcPts val="0"/>
-              </a:spcBef>
-              <a:spcAft>
-                <a:spcPts val="0"/>
-              </a:spcAft>
-              <a:buSzPts val="2800"/>
-              <a:buChar char="●"/>
+            <a:pPr indent="0" lvl="0" marL="0" rtl="0" algn="l">
+              <a:spcBef>
+                <a:spcPts val="0"/>
+              </a:spcBef>
+              <a:spcAft>
+                <a:spcPts val="0"/>
+              </a:spcAft>
+              <a:buNone/>
             </a:pPr>
             <a:r>
-              <a:rPr lang="en"/>
-              <a:t>Instead we implemented a website to perform the same tasks to which everyone could contribute.</a:t>
+              <a:rPr lang="en" sz="3000">
+                <a:latin typeface="Lato"/>
+                <a:ea typeface="Lato"/>
+                <a:cs typeface="Lato"/>
+                <a:sym typeface="Lato"/>
+              </a:rPr>
+              <a:t>Website/App: ChallengeMonkey</a:t>
             </a:r>
-            <a:endParaRPr/>
+            <a:endParaRPr sz="3000">
+              <a:latin typeface="Lato"/>
+              <a:ea typeface="Lato"/>
+              <a:cs typeface="Lato"/>
+              <a:sym typeface="Lato"/>
+            </a:endParaRPr>
           </a:p>
           <a:p>
             <a:pPr indent="0" lvl="0" marL="0" rtl="0" algn="l">
@@ -10592,7 +10909,52 @@
             <a:r>
               <a:t/>
             </a:r>
-            <a:endParaRPr/>
+            <a:endParaRPr sz="3000">
+              <a:latin typeface="Lato"/>
+              <a:ea typeface="Lato"/>
+              <a:cs typeface="Lato"/>
+              <a:sym typeface="Lato"/>
+            </a:endParaRPr>
+          </a:p>
+          <a:p>
+            <a:pPr indent="0" lvl="0" marL="0" rtl="0" algn="l">
+              <a:spcBef>
+                <a:spcPts val="0"/>
+              </a:spcBef>
+              <a:spcAft>
+                <a:spcPts val="0"/>
+              </a:spcAft>
+              <a:buNone/>
+            </a:pPr>
+            <a:r>
+              <a:t/>
+            </a:r>
+            <a:endParaRPr sz="2400">
+              <a:latin typeface="Lato"/>
+              <a:ea typeface="Lato"/>
+              <a:cs typeface="Lato"/>
+              <a:sym typeface="Lato"/>
+            </a:endParaRPr>
+          </a:p>
+          <a:p>
+            <a:pPr indent="0" lvl="0" marL="0" rtl="0" algn="l">
+              <a:spcBef>
+                <a:spcPts val="0"/>
+              </a:spcBef>
+              <a:spcAft>
+                <a:spcPts val="0"/>
+              </a:spcAft>
+              <a:buNone/>
+            </a:pPr>
+            <a:r>
+              <a:t/>
+            </a:r>
+            <a:endParaRPr sz="3000">
+              <a:latin typeface="Lato"/>
+              <a:ea typeface="Lato"/>
+              <a:cs typeface="Lato"/>
+              <a:sym typeface="Lato"/>
+            </a:endParaRPr>
           </a:p>
         </p:txBody>
       </p:sp>
@@ -10631,8 +10993,8 @@
         </p:nvSpPr>
         <p:spPr>
           <a:xfrm>
-            <a:off x="721200" y="187750"/>
-            <a:ext cx="7701600" cy="4284900"/>
+            <a:off x="2278500" y="811200"/>
+            <a:ext cx="4587000" cy="3521100"/>
           </a:xfrm>
           <a:prstGeom prst="rect">
             <a:avLst/>
@@ -10644,7 +11006,7 @@
           </a:bodyPr>
           <a:lstStyle/>
           <a:p>
-            <a:pPr indent="0" lvl="0" marL="0" rtl="0" algn="l">
+            <a:pPr indent="0" lvl="0" marL="0" rtl="0" algn="ctr">
               <a:spcBef>
                 <a:spcPts val="0"/>
               </a:spcBef>
@@ -10654,82 +11016,10 @@
               <a:buNone/>
             </a:pPr>
             <a:r>
-              <a:rPr lang="en"/>
-              <a:t>Goals of the Website:</a:t>
+              <a:rPr lang="en" sz="9600"/>
+              <a:t>DEMO</a:t>
             </a:r>
-            <a:endParaRPr/>
-          </a:p>
-          <a:p>
-            <a:pPr indent="0" lvl="0" marL="0" rtl="0" algn="l">
-              <a:spcBef>
-                <a:spcPts val="0"/>
-              </a:spcBef>
-              <a:spcAft>
-                <a:spcPts val="0"/>
-              </a:spcAft>
-              <a:buNone/>
-            </a:pPr>
-            <a:r>
-              <a:t/>
-            </a:r>
-            <a:endParaRPr/>
-          </a:p>
-          <a:p>
-            <a:pPr indent="-406400" lvl="0" marL="457200" rtl="0" algn="l">
-              <a:spcBef>
-                <a:spcPts val="0"/>
-              </a:spcBef>
-              <a:spcAft>
-                <a:spcPts val="0"/>
-              </a:spcAft>
-              <a:buSzPts val="2800"/>
-              <a:buChar char="●"/>
-            </a:pPr>
-            <a:r>
-              <a:rPr lang="en"/>
-              <a:t>Harness the power of social media to popularize positive behavior.</a:t>
-            </a:r>
-            <a:br>
-              <a:rPr lang="en"/>
-            </a:br>
-            <a:endParaRPr/>
-          </a:p>
-          <a:p>
-            <a:pPr indent="-406400" lvl="0" marL="457200" rtl="0" algn="l">
-              <a:spcBef>
-                <a:spcPts val="0"/>
-              </a:spcBef>
-              <a:spcAft>
-                <a:spcPts val="0"/>
-              </a:spcAft>
-              <a:buSzPts val="2800"/>
-              <a:buChar char="●"/>
-            </a:pPr>
-            <a:r>
-              <a:rPr lang="en"/>
-              <a:t>Continue adding functionality such as a leaderboard and head to head competitions.</a:t>
-            </a:r>
-            <a:br>
-              <a:rPr lang="en"/>
-            </a:br>
-            <a:endParaRPr/>
-          </a:p>
-          <a:p>
-            <a:pPr indent="-406400" lvl="0" marL="457200" rtl="0" algn="l">
-              <a:spcBef>
-                <a:spcPts val="0"/>
-              </a:spcBef>
-              <a:spcAft>
-                <a:spcPts val="0"/>
-              </a:spcAft>
-              <a:buSzPts val="2800"/>
-              <a:buChar char="●"/>
-            </a:pPr>
-            <a:r>
-              <a:rPr lang="en"/>
-              <a:t>Finish a fully functional mobile app.</a:t>
-            </a:r>
-            <a:endParaRPr/>
+            <a:endParaRPr sz="9600"/>
           </a:p>
         </p:txBody>
       </p:sp>
@@ -10768,7 +11058,151 @@
         </p:nvSpPr>
         <p:spPr>
           <a:xfrm>
-            <a:off x="721200" y="187750"/>
+            <a:off x="823850" y="866775"/>
+            <a:ext cx="8022000" cy="3521100"/>
+          </a:xfrm>
+          <a:prstGeom prst="rect">
+            <a:avLst/>
+          </a:prstGeom>
+        </p:spPr>
+        <p:txBody>
+          <a:bodyPr anchorCtr="0" anchor="ctr" bIns="91425" lIns="91425" spcFirstLastPara="1" rIns="91425" wrap="square" tIns="91425">
+            <a:noAutofit/>
+          </a:bodyPr>
+          <a:lstStyle/>
+          <a:p>
+            <a:pPr indent="0" lvl="0" marL="0" rtl="0" algn="l">
+              <a:spcBef>
+                <a:spcPts val="0"/>
+              </a:spcBef>
+              <a:spcAft>
+                <a:spcPts val="0"/>
+              </a:spcAft>
+              <a:buNone/>
+            </a:pPr>
+            <a:r>
+              <a:rPr lang="en"/>
+              <a:t>Challenges/Problems:</a:t>
+            </a:r>
+            <a:endParaRPr/>
+          </a:p>
+          <a:p>
+            <a:pPr indent="0" lvl="0" marL="0" rtl="0" algn="l">
+              <a:spcBef>
+                <a:spcPts val="0"/>
+              </a:spcBef>
+              <a:spcAft>
+                <a:spcPts val="0"/>
+              </a:spcAft>
+              <a:buNone/>
+            </a:pPr>
+            <a:r>
+              <a:t/>
+            </a:r>
+            <a:endParaRPr/>
+          </a:p>
+          <a:p>
+            <a:pPr indent="-406400" lvl="0" marL="457200" rtl="0" algn="l">
+              <a:spcBef>
+                <a:spcPts val="0"/>
+              </a:spcBef>
+              <a:spcAft>
+                <a:spcPts val="0"/>
+              </a:spcAft>
+              <a:buSzPts val="2800"/>
+              <a:buChar char="●"/>
+            </a:pPr>
+            <a:r>
+              <a:rPr lang="en"/>
+              <a:t>We began our project by developing an iOS app, but ran into collaborative issues on Github. </a:t>
+            </a:r>
+            <a:endParaRPr/>
+          </a:p>
+          <a:p>
+            <a:pPr indent="0" lvl="0" marL="0" rtl="0" algn="l">
+              <a:spcBef>
+                <a:spcPts val="0"/>
+              </a:spcBef>
+              <a:spcAft>
+                <a:spcPts val="0"/>
+              </a:spcAft>
+              <a:buNone/>
+            </a:pPr>
+            <a:r>
+              <a:t/>
+            </a:r>
+            <a:endParaRPr/>
+          </a:p>
+          <a:p>
+            <a:pPr indent="-406400" lvl="0" marL="457200" rtl="0" algn="l">
+              <a:spcBef>
+                <a:spcPts val="0"/>
+              </a:spcBef>
+              <a:spcAft>
+                <a:spcPts val="0"/>
+              </a:spcAft>
+              <a:buSzPts val="2800"/>
+              <a:buChar char="●"/>
+            </a:pPr>
+            <a:r>
+              <a:rPr lang="en"/>
+              <a:t>Instead we implemented a website to perform the same tasks to which everyone could contribute.</a:t>
+            </a:r>
+            <a:endParaRPr/>
+          </a:p>
+          <a:p>
+            <a:pPr indent="0" lvl="0" marL="0" rtl="0" algn="l">
+              <a:spcBef>
+                <a:spcPts val="0"/>
+              </a:spcBef>
+              <a:spcAft>
+                <a:spcPts val="0"/>
+              </a:spcAft>
+              <a:buNone/>
+            </a:pPr>
+            <a:r>
+              <a:t/>
+            </a:r>
+            <a:endParaRPr/>
+          </a:p>
+        </p:txBody>
+      </p:sp>
+    </p:spTree>
+  </p:cSld>
+  <p:clrMapOvr>
+    <a:masterClrMapping/>
+  </p:clrMapOvr>
+</p:sld>
+</file>
+
+<file path=ppt/slides/slide9.xml><?xml version="1.0" encoding="utf-8"?>
+<p:sld xmlns:a="http://schemas.openxmlformats.org/drawingml/2006/main" xmlns:r="http://schemas.openxmlformats.org/officeDocument/2006/relationships" xmlns:mc="http://schemas.openxmlformats.org/markup-compatibility/2006" xmlns:mv="urn:schemas-microsoft-com:mac:vml" xmlns:p="http://schemas.openxmlformats.org/presentationml/2006/main" xmlns:c="http://schemas.openxmlformats.org/drawingml/2006/chart" xmlns:dgm="http://schemas.openxmlformats.org/drawingml/2006/diagram" xmlns:o="urn:schemas-microsoft-com:office:office" xmlns:v="urn:schemas-microsoft-com:vml" xmlns:pvml="urn:schemas-microsoft-com:office:powerpoint" xmlns:com="http://schemas.openxmlformats.org/drawingml/2006/compatibility" xmlns:p14="http://schemas.microsoft.com/office/powerpoint/2010/main" xmlns:p15="http://schemas.microsoft.com/office/powerpoint/2012/main">
+  <p:cSld>
+    <p:spTree>
+      <p:nvGrpSpPr>
+        <p:cNvPr id="179" name="Shape 179"/>
+        <p:cNvGrpSpPr/>
+        <p:nvPr/>
+      </p:nvGrpSpPr>
+      <p:grpSpPr>
+        <a:xfrm>
+          <a:off x="0" y="0"/>
+          <a:ext cx="0" cy="0"/>
+          <a:chOff x="0" y="0"/>
+          <a:chExt cx="0" cy="0"/>
+        </a:xfrm>
+      </p:grpSpPr>
+      <p:sp>
+        <p:nvSpPr>
+          <p:cNvPr id="180" name="Google Shape;180;p21"/>
+          <p:cNvSpPr txBox="1"/>
+          <p:nvPr>
+            <p:ph type="title"/>
+          </p:nvPr>
+        </p:nvSpPr>
+        <p:spPr>
+          <a:xfrm>
+            <a:off x="721200" y="429300"/>
             <a:ext cx="7701600" cy="4284900"/>
           </a:xfrm>
           <a:prstGeom prst="rect">
@@ -10792,11 +11226,7 @@
             </a:pPr>
             <a:r>
               <a:rPr lang="en"/>
-              <a:t>Lessons we learned</a:t>
-            </a:r>
-            <a:r>
-              <a:rPr lang="en"/>
-              <a:t>:</a:t>
+              <a:t>Goals of the Website:</a:t>
             </a:r>
             <a:endParaRPr/>
           </a:p>
@@ -10828,8 +11258,11 @@
             </a:pPr>
             <a:r>
               <a:rPr lang="en"/>
-              <a:t>Communication is key</a:t>
+              <a:t>Harness the power of social media to popularize positive behavior.</a:t>
             </a:r>
+            <a:br>
+              <a:rPr lang="en"/>
+            </a:br>
             <a:endParaRPr/>
           </a:p>
           <a:p>
@@ -10845,8 +11278,19 @@
             </a:pPr>
             <a:r>
               <a:rPr lang="en"/>
-              <a:t>Teamwork and collaboration help the process</a:t>
+              <a:t>Continue adding functionality such as a leaderboard, head to head competitions, and more </a:t>
             </a:r>
+            <a:r>
+              <a:rPr lang="en"/>
+              <a:t>targeted</a:t>
+            </a:r>
+            <a:r>
+              <a:rPr lang="en"/>
+              <a:t> challenges.</a:t>
+            </a:r>
+            <a:br>
+              <a:rPr lang="en"/>
+            </a:br>
             <a:endParaRPr/>
           </a:p>
           <a:p>
@@ -10862,24 +11306,7 @@
             </a:pPr>
             <a:r>
               <a:rPr lang="en"/>
-              <a:t>Combating climate change starts with changing our behavior </a:t>
-            </a:r>
-            <a:endParaRPr/>
-          </a:p>
-          <a:p>
-            <a:pPr indent="-406400" lvl="0" marL="457200" rtl="0" algn="l">
-              <a:spcBef>
-                <a:spcPts val="0"/>
-              </a:spcBef>
-              <a:spcAft>
-                <a:spcPts val="0"/>
-              </a:spcAft>
-              <a:buSzPts val="2800"/>
-              <a:buChar char="●"/>
-            </a:pPr>
-            <a:r>
-              <a:rPr lang="en"/>
-              <a:t>Don’t look at the commits leaderboard</a:t>
+              <a:t>Finish a fully functional mobile app.</a:t>
             </a:r>
             <a:endParaRPr/>
           </a:p>
@@ -10894,6 +11321,285 @@
 </file>
 
 <file path=ppt/theme/theme1.xml><?xml version="1.0" encoding="utf-8"?>
+<a:theme xmlns:a="http://schemas.openxmlformats.org/drawingml/2006/main" xmlns:r="http://schemas.openxmlformats.org/officeDocument/2006/relationships" name="Focus">
+  <a:themeElements>
+    <a:clrScheme name="Focus">
+      <a:dk1>
+        <a:srgbClr val="1B212C"/>
+      </a:dk1>
+      <a:lt1>
+        <a:srgbClr val="FFFFFF"/>
+      </a:lt1>
+      <a:dk2>
+        <a:srgbClr val="D9D9D9"/>
+      </a:dk2>
+      <a:lt2>
+        <a:srgbClr val="82C7A5"/>
+      </a:lt2>
+      <a:accent1>
+        <a:srgbClr val="0145AC"/>
+      </a:accent1>
+      <a:accent2>
+        <a:srgbClr val="EECE1A"/>
+      </a:accent2>
+      <a:accent3>
+        <a:srgbClr val="4E5567"/>
+      </a:accent3>
+      <a:accent4>
+        <a:srgbClr val="F4D6AD"/>
+      </a:accent4>
+      <a:accent5>
+        <a:srgbClr val="7890CD"/>
+      </a:accent5>
+      <a:accent6>
+        <a:srgbClr val="F15E22"/>
+      </a:accent6>
+      <a:hlink>
+        <a:srgbClr val="7890CD"/>
+      </a:hlink>
+      <a:folHlink>
+        <a:srgbClr val="7890CD"/>
+      </a:folHlink>
+    </a:clrScheme>
+    <a:fontScheme name="Office">
+      <a:majorFont>
+        <a:latin typeface="Arial"/>
+        <a:ea typeface=""/>
+        <a:cs typeface=""/>
+        <a:font script="Jpan" typeface="ＭＳ Ｐゴシック"/>
+        <a:font script="Hang" typeface="맑은 고딕"/>
+        <a:font script="Hans" typeface="宋体"/>
+        <a:font script="Hant" typeface="新細明體"/>
+        <a:font script="Arab" typeface="Times New Roman"/>
+        <a:font script="Hebr" typeface="Times New Roman"/>
+        <a:font script="Thai" typeface="Angsana New"/>
+        <a:font script="Ethi" typeface="Nyala"/>
+        <a:font script="Beng" typeface="Vrinda"/>
+        <a:font script="Gujr" typeface="Shruti"/>
+        <a:font script="Khmr" typeface="MoolBoran"/>
+        <a:font script="Knda" typeface="Tunga"/>
+        <a:font script="Guru" typeface="Raavi"/>
+        <a:font script="Cans" typeface="Euphemia"/>
+        <a:font script="Cher" typeface="Plantagenet Cherokee"/>
+        <a:font script="Yiii" typeface="Microsoft Yi Baiti"/>
+        <a:font script="Tibt" typeface="Microsoft Himalaya"/>
+        <a:font script="Thaa" typeface="MV Boli"/>
+        <a:font script="Deva" typeface="Mangal"/>
+        <a:font script="Telu" typeface="Gautami"/>
+        <a:font script="Taml" typeface="Latha"/>
+        <a:font script="Syrc" typeface="Estrangelo Edessa"/>
+        <a:font script="Orya" typeface="Kalinga"/>
+        <a:font script="Mlym" typeface="Kartika"/>
+        <a:font script="Laoo" typeface="DokChampa"/>
+        <a:font script="Sinh" typeface="Iskoola Pota"/>
+        <a:font script="Mong" typeface="Mongolian Baiti"/>
+        <a:font script="Viet" typeface="Times New Roman"/>
+        <a:font script="Uigh" typeface="Microsoft Uighur"/>
+        <a:font script="Geor" typeface="Sylfaen"/>
+      </a:majorFont>
+      <a:minorFont>
+        <a:latin typeface="Arial"/>
+        <a:ea typeface=""/>
+        <a:cs typeface=""/>
+        <a:font script="Jpan" typeface="ＭＳ Ｐゴシック"/>
+        <a:font script="Hang" typeface="맑은 고딕"/>
+        <a:font script="Hans" typeface="宋体"/>
+        <a:font script="Hant" typeface="新細明體"/>
+        <a:font script="Arab" typeface="Arial"/>
+        <a:font script="Hebr" typeface="Arial"/>
+        <a:font script="Thai" typeface="Cordia New"/>
+        <a:font script="Ethi" typeface="Nyala"/>
+        <a:font script="Beng" typeface="Vrinda"/>
+        <a:font script="Gujr" typeface="Shruti"/>
+        <a:font script="Khmr" typeface="DaunPenh"/>
+        <a:font script="Knda" typeface="Tunga"/>
+        <a:font script="Guru" typeface="Raavi"/>
+        <a:font script="Cans" typeface="Euphemia"/>
+        <a:font script="Cher" typeface="Plantagenet Cherokee"/>
+        <a:font script="Yiii" typeface="Microsoft Yi Baiti"/>
+        <a:font script="Tibt" typeface="Microsoft Himalaya"/>
+        <a:font script="Thaa" typeface="MV Boli"/>
+        <a:font script="Deva" typeface="Mangal"/>
+        <a:font script="Telu" typeface="Gautami"/>
+        <a:font script="Taml" typeface="Latha"/>
+        <a:font script="Syrc" typeface="Estrangelo Edessa"/>
+        <a:font script="Orya" typeface="Kalinga"/>
+        <a:font script="Mlym" typeface="Kartika"/>
+        <a:font script="Laoo" typeface="DokChampa"/>
+        <a:font script="Sinh" typeface="Iskoola Pota"/>
+        <a:font script="Mong" typeface="Mongolian Baiti"/>
+        <a:font script="Viet" typeface="Arial"/>
+        <a:font script="Uigh" typeface="Microsoft Uighur"/>
+        <a:font script="Geor" typeface="Sylfaen"/>
+      </a:minorFont>
+    </a:fontScheme>
+    <a:fmtScheme name="Office">
+      <a:fillStyleLst>
+        <a:solidFill>
+          <a:schemeClr val="phClr"/>
+        </a:solidFill>
+        <a:gradFill rotWithShape="1">
+          <a:gsLst>
+            <a:gs pos="0">
+              <a:schemeClr val="phClr">
+                <a:tint val="50000"/>
+                <a:satMod val="300000"/>
+              </a:schemeClr>
+            </a:gs>
+            <a:gs pos="35000">
+              <a:schemeClr val="phClr">
+                <a:tint val="37000"/>
+                <a:satMod val="300000"/>
+              </a:schemeClr>
+            </a:gs>
+            <a:gs pos="100000">
+              <a:schemeClr val="phClr">
+                <a:tint val="15000"/>
+                <a:satMod val="350000"/>
+              </a:schemeClr>
+            </a:gs>
+          </a:gsLst>
+          <a:lin ang="16200000" scaled="1"/>
+        </a:gradFill>
+        <a:gradFill rotWithShape="1">
+          <a:gsLst>
+            <a:gs pos="0">
+              <a:schemeClr val="phClr">
+                <a:tint val="100000"/>
+                <a:shade val="100000"/>
+                <a:satMod val="130000"/>
+              </a:schemeClr>
+            </a:gs>
+            <a:gs pos="100000">
+              <a:schemeClr val="phClr">
+                <a:tint val="50000"/>
+                <a:shade val="100000"/>
+                <a:satMod val="350000"/>
+              </a:schemeClr>
+            </a:gs>
+          </a:gsLst>
+          <a:lin ang="16200000" scaled="0"/>
+        </a:gradFill>
+      </a:fillStyleLst>
+      <a:lnStyleLst>
+        <a:ln w="9525" cap="flat" cmpd="sng" algn="ctr">
+          <a:solidFill>
+            <a:schemeClr val="phClr">
+              <a:shade val="95000"/>
+              <a:satMod val="105000"/>
+            </a:schemeClr>
+          </a:solidFill>
+          <a:prstDash val="solid"/>
+        </a:ln>
+        <a:ln w="25400" cap="flat" cmpd="sng" algn="ctr">
+          <a:solidFill>
+            <a:schemeClr val="phClr"/>
+          </a:solidFill>
+          <a:prstDash val="solid"/>
+        </a:ln>
+        <a:ln w="38100" cap="flat" cmpd="sng" algn="ctr">
+          <a:solidFill>
+            <a:schemeClr val="phClr"/>
+          </a:solidFill>
+          <a:prstDash val="solid"/>
+        </a:ln>
+      </a:lnStyleLst>
+      <a:effectStyleLst>
+        <a:effectStyle>
+          <a:effectLst>
+            <a:outerShdw blurRad="40000" dist="20000" dir="5400000" rotWithShape="0">
+              <a:srgbClr val="000000">
+                <a:alpha val="38000"/>
+              </a:srgbClr>
+            </a:outerShdw>
+          </a:effectLst>
+        </a:effectStyle>
+        <a:effectStyle>
+          <a:effectLst>
+            <a:outerShdw blurRad="40000" dist="23000" dir="5400000" rotWithShape="0">
+              <a:srgbClr val="000000">
+                <a:alpha val="35000"/>
+              </a:srgbClr>
+            </a:outerShdw>
+          </a:effectLst>
+        </a:effectStyle>
+        <a:effectStyle>
+          <a:effectLst>
+            <a:outerShdw blurRad="40000" dist="23000" dir="5400000" rotWithShape="0">
+              <a:srgbClr val="000000">
+                <a:alpha val="35000"/>
+              </a:srgbClr>
+            </a:outerShdw>
+          </a:effectLst>
+          <a:scene3d>
+            <a:camera prst="orthographicFront">
+              <a:rot lat="0" lon="0" rev="0"/>
+            </a:camera>
+            <a:lightRig rig="threePt" dir="t">
+              <a:rot lat="0" lon="0" rev="1200000"/>
+            </a:lightRig>
+          </a:scene3d>
+          <a:sp3d>
+            <a:bevelT w="63500" h="25400"/>
+          </a:sp3d>
+        </a:effectStyle>
+      </a:effectStyleLst>
+      <a:bgFillStyleLst>
+        <a:solidFill>
+          <a:schemeClr val="phClr"/>
+        </a:solidFill>
+        <a:gradFill rotWithShape="1">
+          <a:gsLst>
+            <a:gs pos="0">
+              <a:schemeClr val="phClr">
+                <a:tint val="40000"/>
+                <a:satMod val="350000"/>
+              </a:schemeClr>
+            </a:gs>
+            <a:gs pos="40000">
+              <a:schemeClr val="phClr">
+                <a:tint val="45000"/>
+                <a:shade val="99000"/>
+                <a:satMod val="350000"/>
+              </a:schemeClr>
+            </a:gs>
+            <a:gs pos="100000">
+              <a:schemeClr val="phClr">
+                <a:shade val="20000"/>
+                <a:satMod val="255000"/>
+              </a:schemeClr>
+            </a:gs>
+          </a:gsLst>
+          <a:path path="circle">
+            <a:fillToRect l="50000" t="-80000" r="50000" b="180000"/>
+          </a:path>
+        </a:gradFill>
+        <a:gradFill rotWithShape="1">
+          <a:gsLst>
+            <a:gs pos="0">
+              <a:schemeClr val="phClr">
+                <a:tint val="80000"/>
+                <a:satMod val="300000"/>
+              </a:schemeClr>
+            </a:gs>
+            <a:gs pos="100000">
+              <a:schemeClr val="phClr">
+                <a:shade val="30000"/>
+                <a:satMod val="200000"/>
+              </a:schemeClr>
+            </a:gs>
+          </a:gsLst>
+          <a:path path="circle">
+            <a:fillToRect l="50000" t="50000" r="50000" b="50000"/>
+          </a:path>
+        </a:gradFill>
+      </a:bgFillStyleLst>
+    </a:fmtScheme>
+  </a:themeElements>
+</a:theme>
+</file>
+
+<file path=ppt/theme/theme2.xml><?xml version="1.0" encoding="utf-8"?>
 <a:theme xmlns:a="http://schemas.openxmlformats.org/drawingml/2006/main" xmlns:r="http://schemas.openxmlformats.org/officeDocument/2006/relationships">
   <a:themeElements>
     <a:clrScheme name="Default">
@@ -11170,283 +11876,4 @@
     </a:fmtScheme>
   </a:themeElements>
 </a:theme>
-</file>
-
-<file path=ppt/theme/theme2.xml><?xml version="1.0" encoding="utf-8"?>
-<a:theme xmlns:a="http://schemas.openxmlformats.org/drawingml/2006/main" xmlns:r="http://schemas.openxmlformats.org/officeDocument/2006/relationships" name="Focus">
-  <a:themeElements>
-    <a:clrScheme name="Focus">
-      <a:dk1>
-        <a:srgbClr val="1B212C"/>
-      </a:dk1>
-      <a:lt1>
-        <a:srgbClr val="FFFFFF"/>
-      </a:lt1>
-      <a:dk2>
-        <a:srgbClr val="D9D9D9"/>
-      </a:dk2>
-      <a:lt2>
-        <a:srgbClr val="82C7A5"/>
-      </a:lt2>
-      <a:accent1>
-        <a:srgbClr val="0145AC"/>
-      </a:accent1>
-      <a:accent2>
-        <a:srgbClr val="EECE1A"/>
-      </a:accent2>
-      <a:accent3>
-        <a:srgbClr val="4E5567"/>
-      </a:accent3>
-      <a:accent4>
-        <a:srgbClr val="F4D6AD"/>
-      </a:accent4>
-      <a:accent5>
-        <a:srgbClr val="7890CD"/>
-      </a:accent5>
-      <a:accent6>
-        <a:srgbClr val="F15E22"/>
-      </a:accent6>
-      <a:hlink>
-        <a:srgbClr val="7890CD"/>
-      </a:hlink>
-      <a:folHlink>
-        <a:srgbClr val="7890CD"/>
-      </a:folHlink>
-    </a:clrScheme>
-    <a:fontScheme name="Office">
-      <a:majorFont>
-        <a:latin typeface="Arial"/>
-        <a:ea typeface=""/>
-        <a:cs typeface=""/>
-        <a:font script="Jpan" typeface="ＭＳ Ｐゴシック"/>
-        <a:font script="Hang" typeface="맑은 고딕"/>
-        <a:font script="Hans" typeface="宋体"/>
-        <a:font script="Hant" typeface="新細明體"/>
-        <a:font script="Arab" typeface="Times New Roman"/>
-        <a:font script="Hebr" typeface="Times New Roman"/>
-        <a:font script="Thai" typeface="Angsana New"/>
-        <a:font script="Ethi" typeface="Nyala"/>
-        <a:font script="Beng" typeface="Vrinda"/>
-        <a:font script="Gujr" typeface="Shruti"/>
-        <a:font script="Khmr" typeface="MoolBoran"/>
-        <a:font script="Knda" typeface="Tunga"/>
-        <a:font script="Guru" typeface="Raavi"/>
-        <a:font script="Cans" typeface="Euphemia"/>
-        <a:font script="Cher" typeface="Plantagenet Cherokee"/>
-        <a:font script="Yiii" typeface="Microsoft Yi Baiti"/>
-        <a:font script="Tibt" typeface="Microsoft Himalaya"/>
-        <a:font script="Thaa" typeface="MV Boli"/>
-        <a:font script="Deva" typeface="Mangal"/>
-        <a:font script="Telu" typeface="Gautami"/>
-        <a:font script="Taml" typeface="Latha"/>
-        <a:font script="Syrc" typeface="Estrangelo Edessa"/>
-        <a:font script="Orya" typeface="Kalinga"/>
-        <a:font script="Mlym" typeface="Kartika"/>
-        <a:font script="Laoo" typeface="DokChampa"/>
-        <a:font script="Sinh" typeface="Iskoola Pota"/>
-        <a:font script="Mong" typeface="Mongolian Baiti"/>
-        <a:font script="Viet" typeface="Times New Roman"/>
-        <a:font script="Uigh" typeface="Microsoft Uighur"/>
-        <a:font script="Geor" typeface="Sylfaen"/>
-      </a:majorFont>
-      <a:minorFont>
-        <a:latin typeface="Arial"/>
-        <a:ea typeface=""/>
-        <a:cs typeface=""/>
-        <a:font script="Jpan" typeface="ＭＳ Ｐゴシック"/>
-        <a:font script="Hang" typeface="맑은 고딕"/>
-        <a:font script="Hans" typeface="宋体"/>
-        <a:font script="Hant" typeface="新細明體"/>
-        <a:font script="Arab" typeface="Arial"/>
-        <a:font script="Hebr" typeface="Arial"/>
-        <a:font script="Thai" typeface="Cordia New"/>
-        <a:font script="Ethi" typeface="Nyala"/>
-        <a:font script="Beng" typeface="Vrinda"/>
-        <a:font script="Gujr" typeface="Shruti"/>
-        <a:font script="Khmr" typeface="DaunPenh"/>
-        <a:font script="Knda" typeface="Tunga"/>
-        <a:font script="Guru" typeface="Raavi"/>
-        <a:font script="Cans" typeface="Euphemia"/>
-        <a:font script="Cher" typeface="Plantagenet Cherokee"/>
-        <a:font script="Yiii" typeface="Microsoft Yi Baiti"/>
-        <a:font script="Tibt" typeface="Microsoft Himalaya"/>
-        <a:font script="Thaa" typeface="MV Boli"/>
-        <a:font script="Deva" typeface="Mangal"/>
-        <a:font script="Telu" typeface="Gautami"/>
-        <a:font script="Taml" typeface="Latha"/>
-        <a:font script="Syrc" typeface="Estrangelo Edessa"/>
-        <a:font script="Orya" typeface="Kalinga"/>
-        <a:font script="Mlym" typeface="Kartika"/>
-        <a:font script="Laoo" typeface="DokChampa"/>
-        <a:font script="Sinh" typeface="Iskoola Pota"/>
-        <a:font script="Mong" typeface="Mongolian Baiti"/>
-        <a:font script="Viet" typeface="Arial"/>
-        <a:font script="Uigh" typeface="Microsoft Uighur"/>
-        <a:font script="Geor" typeface="Sylfaen"/>
-      </a:minorFont>
-    </a:fontScheme>
-    <a:fmtScheme name="Office">
-      <a:fillStyleLst>
-        <a:solidFill>
-          <a:schemeClr val="phClr"/>
-        </a:solidFill>
-        <a:gradFill rotWithShape="1">
-          <a:gsLst>
-            <a:gs pos="0">
-              <a:schemeClr val="phClr">
-                <a:tint val="50000"/>
-                <a:satMod val="300000"/>
-              </a:schemeClr>
-            </a:gs>
-            <a:gs pos="35000">
-              <a:schemeClr val="phClr">
-                <a:tint val="37000"/>
-                <a:satMod val="300000"/>
-              </a:schemeClr>
-            </a:gs>
-            <a:gs pos="100000">
-              <a:schemeClr val="phClr">
-                <a:tint val="15000"/>
-                <a:satMod val="350000"/>
-              </a:schemeClr>
-            </a:gs>
-          </a:gsLst>
-          <a:lin ang="16200000" scaled="1"/>
-        </a:gradFill>
-        <a:gradFill rotWithShape="1">
-          <a:gsLst>
-            <a:gs pos="0">
-              <a:schemeClr val="phClr">
-                <a:tint val="100000"/>
-                <a:shade val="100000"/>
-                <a:satMod val="130000"/>
-              </a:schemeClr>
-            </a:gs>
-            <a:gs pos="100000">
-              <a:schemeClr val="phClr">
-                <a:tint val="50000"/>
-                <a:shade val="100000"/>
-                <a:satMod val="350000"/>
-              </a:schemeClr>
-            </a:gs>
-          </a:gsLst>
-          <a:lin ang="16200000" scaled="0"/>
-        </a:gradFill>
-      </a:fillStyleLst>
-      <a:lnStyleLst>
-        <a:ln w="9525" cap="flat" cmpd="sng" algn="ctr">
-          <a:solidFill>
-            <a:schemeClr val="phClr">
-              <a:shade val="95000"/>
-              <a:satMod val="105000"/>
-            </a:schemeClr>
-          </a:solidFill>
-          <a:prstDash val="solid"/>
-        </a:ln>
-        <a:ln w="25400" cap="flat" cmpd="sng" algn="ctr">
-          <a:solidFill>
-            <a:schemeClr val="phClr"/>
-          </a:solidFill>
-          <a:prstDash val="solid"/>
-        </a:ln>
-        <a:ln w="38100" cap="flat" cmpd="sng" algn="ctr">
-          <a:solidFill>
-            <a:schemeClr val="phClr"/>
-          </a:solidFill>
-          <a:prstDash val="solid"/>
-        </a:ln>
-      </a:lnStyleLst>
-      <a:effectStyleLst>
-        <a:effectStyle>
-          <a:effectLst>
-            <a:outerShdw blurRad="40000" dist="20000" dir="5400000" rotWithShape="0">
-              <a:srgbClr val="000000">
-                <a:alpha val="38000"/>
-              </a:srgbClr>
-            </a:outerShdw>
-          </a:effectLst>
-        </a:effectStyle>
-        <a:effectStyle>
-          <a:effectLst>
-            <a:outerShdw blurRad="40000" dist="23000" dir="5400000" rotWithShape="0">
-              <a:srgbClr val="000000">
-                <a:alpha val="35000"/>
-              </a:srgbClr>
-            </a:outerShdw>
-          </a:effectLst>
-        </a:effectStyle>
-        <a:effectStyle>
-          <a:effectLst>
-            <a:outerShdw blurRad="40000" dist="23000" dir="5400000" rotWithShape="0">
-              <a:srgbClr val="000000">
-                <a:alpha val="35000"/>
-              </a:srgbClr>
-            </a:outerShdw>
-          </a:effectLst>
-          <a:scene3d>
-            <a:camera prst="orthographicFront">
-              <a:rot lat="0" lon="0" rev="0"/>
-            </a:camera>
-            <a:lightRig rig="threePt" dir="t">
-              <a:rot lat="0" lon="0" rev="1200000"/>
-            </a:lightRig>
-          </a:scene3d>
-          <a:sp3d>
-            <a:bevelT w="63500" h="25400"/>
-          </a:sp3d>
-        </a:effectStyle>
-      </a:effectStyleLst>
-      <a:bgFillStyleLst>
-        <a:solidFill>
-          <a:schemeClr val="phClr"/>
-        </a:solidFill>
-        <a:gradFill rotWithShape="1">
-          <a:gsLst>
-            <a:gs pos="0">
-              <a:schemeClr val="phClr">
-                <a:tint val="40000"/>
-                <a:satMod val="350000"/>
-              </a:schemeClr>
-            </a:gs>
-            <a:gs pos="40000">
-              <a:schemeClr val="phClr">
-                <a:tint val="45000"/>
-                <a:shade val="99000"/>
-                <a:satMod val="350000"/>
-              </a:schemeClr>
-            </a:gs>
-            <a:gs pos="100000">
-              <a:schemeClr val="phClr">
-                <a:shade val="20000"/>
-                <a:satMod val="255000"/>
-              </a:schemeClr>
-            </a:gs>
-          </a:gsLst>
-          <a:path path="circle">
-            <a:fillToRect l="50000" t="-80000" r="50000" b="180000"/>
-          </a:path>
-        </a:gradFill>
-        <a:gradFill rotWithShape="1">
-          <a:gsLst>
-            <a:gs pos="0">
-              <a:schemeClr val="phClr">
-                <a:tint val="80000"/>
-                <a:satMod val="300000"/>
-              </a:schemeClr>
-            </a:gs>
-            <a:gs pos="100000">
-              <a:schemeClr val="phClr">
-                <a:shade val="30000"/>
-                <a:satMod val="200000"/>
-              </a:schemeClr>
-            </a:gs>
-          </a:gsLst>
-          <a:path path="circle">
-            <a:fillToRect l="50000" t="50000" r="50000" b="50000"/>
-          </a:path>
-        </a:gradFill>
-      </a:bgFillStyleLst>
-    </a:fmtScheme>
-  </a:themeElements>
-</a:theme>
 </file>
--- a/Team 11.pptx
+++ b/Team 11.pptx
@@ -1025,7 +1025,7 @@
       </p:grpSpPr>
       <p:sp>
         <p:nvSpPr>
-          <p:cNvPr id="142" name="Google Shape;142;gd5b15f0a3_5_26:notes"/>
+          <p:cNvPr id="142" name="Google Shape;142;g46739680ba_0_1371:notes"/>
           <p:cNvSpPr/>
           <p:nvPr>
             <p:ph idx="2" type="sldImg"/>
@@ -1060,7 +1060,7 @@
       </p:sp>
       <p:sp>
         <p:nvSpPr>
-          <p:cNvPr id="143" name="Google Shape;143;gd5b15f0a3_5_26:notes"/>
+          <p:cNvPr id="143" name="Google Shape;143;g46739680ba_0_1371:notes"/>
           <p:cNvSpPr txBox="1"/>
           <p:nvPr>
             <p:ph idx="1" type="body"/>
@@ -1110,7 +1110,7 @@
   <p:cSld>
     <p:spTree>
       <p:nvGrpSpPr>
-        <p:cNvPr id="149" name="Shape 149"/>
+        <p:cNvPr id="147" name="Shape 147"/>
         <p:cNvGrpSpPr/>
         <p:nvPr/>
       </p:nvGrpSpPr>
@@ -1124,7 +1124,7 @@
       </p:grpSpPr>
       <p:sp>
         <p:nvSpPr>
-          <p:cNvPr id="150" name="Google Shape;150;g723630543_3_0:notes"/>
+          <p:cNvPr id="148" name="Google Shape;148;gd5b15f0a3_5_26:notes"/>
           <p:cNvSpPr/>
           <p:nvPr>
             <p:ph idx="2" type="sldImg"/>
@@ -1159,7 +1159,7 @@
       </p:sp>
       <p:sp>
         <p:nvSpPr>
-          <p:cNvPr id="151" name="Google Shape;151;g723630543_3_0:notes"/>
+          <p:cNvPr id="149" name="Google Shape;149;gd5b15f0a3_5_26:notes"/>
           <p:cNvSpPr txBox="1"/>
           <p:nvPr>
             <p:ph idx="1" type="body"/>
@@ -1223,7 +1223,7 @@
       </p:grpSpPr>
       <p:sp>
         <p:nvSpPr>
-          <p:cNvPr id="156" name="Google Shape;156;g46739680ba_0_1371:notes"/>
+          <p:cNvPr id="156" name="Google Shape;156;g723630543_3_0:notes"/>
           <p:cNvSpPr/>
           <p:nvPr>
             <p:ph idx="2" type="sldImg"/>
@@ -1258,7 +1258,7 @@
       </p:sp>
       <p:sp>
         <p:nvSpPr>
-          <p:cNvPr id="157" name="Google Shape;157;g46739680ba_0_1371:notes"/>
+          <p:cNvPr id="157" name="Google Shape;157;g723630543_3_0:notes"/>
           <p:cNvSpPr txBox="1"/>
           <p:nvPr>
             <p:ph idx="1" type="body"/>
@@ -1520,7 +1520,7 @@
       </p:grpSpPr>
       <p:sp>
         <p:nvSpPr>
-          <p:cNvPr id="172" name="Google Shape;172;g46739680ba_0_1423:notes"/>
+          <p:cNvPr id="172" name="Google Shape;172;g46739680ba_0_1427:notes"/>
           <p:cNvSpPr/>
           <p:nvPr>
             <p:ph idx="2" type="sldImg"/>
@@ -1555,7 +1555,7 @@
       </p:sp>
       <p:sp>
         <p:nvSpPr>
-          <p:cNvPr id="173" name="Google Shape;173;g46739680ba_0_1423:notes"/>
+          <p:cNvPr id="173" name="Google Shape;173;g46739680ba_0_1427:notes"/>
           <p:cNvSpPr txBox="1"/>
           <p:nvPr>
             <p:ph idx="1" type="body"/>
@@ -1619,7 +1619,7 @@
       </p:grpSpPr>
       <p:sp>
         <p:nvSpPr>
-          <p:cNvPr id="177" name="Google Shape;177;g46739680ba_0_1427:notes"/>
+          <p:cNvPr id="177" name="Google Shape;177;g46739680ba_0_1423:notes"/>
           <p:cNvSpPr/>
           <p:nvPr>
             <p:ph idx="2" type="sldImg"/>
@@ -1654,7 +1654,7 @@
       </p:sp>
       <p:sp>
         <p:nvSpPr>
-          <p:cNvPr id="178" name="Google Shape;178;g46739680ba_0_1427:notes"/>
+          <p:cNvPr id="178" name="Google Shape;178;g46739680ba_0_1423:notes"/>
           <p:cNvSpPr txBox="1"/>
           <p:nvPr>
             <p:ph idx="1" type="body"/>
@@ -10286,9 +10286,134 @@
           <a:chExt cx="0" cy="0"/>
         </a:xfrm>
       </p:grpSpPr>
+      <p:pic>
+        <p:nvPicPr>
+          <p:cNvPr id="145" name="Google Shape;145;p15"/>
+          <p:cNvPicPr preferRelativeResize="0"/>
+          <p:nvPr/>
+        </p:nvPicPr>
+        <p:blipFill rotWithShape="1">
+          <a:blip r:embed="rId3">
+            <a:alphaModFix/>
+          </a:blip>
+          <a:srcRect b="-8" l="0" r="0" t="15391"/>
+          <a:stretch/>
+        </p:blipFill>
+        <p:spPr>
+          <a:xfrm>
+            <a:off x="751013" y="982875"/>
+            <a:ext cx="7641974" cy="3544950"/>
+          </a:xfrm>
+          <a:prstGeom prst="rect">
+            <a:avLst/>
+          </a:prstGeom>
+          <a:noFill/>
+          <a:ln>
+            <a:noFill/>
+          </a:ln>
+        </p:spPr>
+      </p:pic>
       <p:sp>
         <p:nvSpPr>
-          <p:cNvPr id="145" name="Google Shape;145;p15"/>
+          <p:cNvPr id="146" name="Google Shape;146;p15"/>
+          <p:cNvSpPr txBox="1"/>
+          <p:nvPr/>
+        </p:nvSpPr>
+        <p:spPr>
+          <a:xfrm>
+            <a:off x="2816075" y="220875"/>
+            <a:ext cx="4759800" cy="607500"/>
+          </a:xfrm>
+          <a:prstGeom prst="rect">
+            <a:avLst/>
+          </a:prstGeom>
+          <a:noFill/>
+          <a:ln>
+            <a:noFill/>
+          </a:ln>
+        </p:spPr>
+        <p:txBody>
+          <a:bodyPr anchorCtr="0" anchor="t" bIns="91425" lIns="91425" spcFirstLastPara="1" rIns="91425" wrap="square" tIns="91425">
+            <a:noAutofit/>
+          </a:bodyPr>
+          <a:lstStyle/>
+          <a:p>
+            <a:pPr indent="0" lvl="0" marL="0" rtl="0" algn="l">
+              <a:spcBef>
+                <a:spcPts val="0"/>
+              </a:spcBef>
+              <a:spcAft>
+                <a:spcPts val="0"/>
+              </a:spcAft>
+              <a:buNone/>
+            </a:pPr>
+            <a:r>
+              <a:rPr lang="en" sz="2400">
+                <a:solidFill>
+                  <a:schemeClr val="lt1"/>
+                </a:solidFill>
+                <a:latin typeface="Lato"/>
+                <a:ea typeface="Lato"/>
+                <a:cs typeface="Lato"/>
+                <a:sym typeface="Lato"/>
+              </a:rPr>
+              <a:t>Monkey See Monkey Do!!!</a:t>
+            </a:r>
+            <a:endParaRPr sz="2400">
+              <a:solidFill>
+                <a:schemeClr val="accent5"/>
+              </a:solidFill>
+              <a:latin typeface="Montserrat"/>
+              <a:ea typeface="Montserrat"/>
+              <a:cs typeface="Montserrat"/>
+              <a:sym typeface="Montserrat"/>
+            </a:endParaRPr>
+          </a:p>
+          <a:p>
+            <a:pPr indent="0" lvl="0" marL="0" rtl="0" algn="l">
+              <a:spcBef>
+                <a:spcPts val="0"/>
+              </a:spcBef>
+              <a:spcAft>
+                <a:spcPts val="0"/>
+              </a:spcAft>
+              <a:buNone/>
+            </a:pPr>
+            <a:r>
+              <a:t/>
+            </a:r>
+            <a:endParaRPr/>
+          </a:p>
+        </p:txBody>
+      </p:sp>
+    </p:spTree>
+  </p:cSld>
+  <p:clrMapOvr>
+    <a:masterClrMapping/>
+  </p:clrMapOvr>
+</p:sld>
+</file>
+
+<file path=ppt/slides/slide4.xml><?xml version="1.0" encoding="utf-8"?>
+<p:sld xmlns:a="http://schemas.openxmlformats.org/drawingml/2006/main" xmlns:r="http://schemas.openxmlformats.org/officeDocument/2006/relationships" xmlns:mc="http://schemas.openxmlformats.org/markup-compatibility/2006" xmlns:mv="urn:schemas-microsoft-com:mac:vml" xmlns:p="http://schemas.openxmlformats.org/presentationml/2006/main" xmlns:c="http://schemas.openxmlformats.org/drawingml/2006/chart" xmlns:dgm="http://schemas.openxmlformats.org/drawingml/2006/diagram" xmlns:o="urn:schemas-microsoft-com:office:office" xmlns:v="urn:schemas-microsoft-com:vml" xmlns:pvml="urn:schemas-microsoft-com:office:powerpoint" xmlns:com="http://schemas.openxmlformats.org/drawingml/2006/compatibility" xmlns:p14="http://schemas.microsoft.com/office/powerpoint/2010/main" xmlns:p15="http://schemas.microsoft.com/office/powerpoint/2012/main">
+  <p:cSld>
+    <p:spTree>
+      <p:nvGrpSpPr>
+        <p:cNvPr id="150" name="Shape 150"/>
+        <p:cNvGrpSpPr/>
+        <p:nvPr/>
+      </p:nvGrpSpPr>
+      <p:grpSpPr>
+        <a:xfrm>
+          <a:off x="0" y="0"/>
+          <a:ext cx="0" cy="0"/>
+          <a:chOff x="0" y="0"/>
+          <a:chExt cx="0" cy="0"/>
+        </a:xfrm>
+      </p:grpSpPr>
+      <p:sp>
+        <p:nvSpPr>
+          <p:cNvPr id="151" name="Google Shape;151;p16"/>
           <p:cNvSpPr txBox="1"/>
           <p:nvPr>
             <p:ph idx="4294967295" type="title"/>
@@ -10337,7 +10462,7 @@
       </p:sp>
       <p:sp>
         <p:nvSpPr>
-          <p:cNvPr id="146" name="Google Shape;146;p15"/>
+          <p:cNvPr id="152" name="Google Shape;152;p16"/>
           <p:cNvSpPr txBox="1"/>
           <p:nvPr>
             <p:ph idx="4294967295" type="title"/>
@@ -10465,7 +10590,7 @@
       </p:sp>
       <p:pic>
         <p:nvPicPr>
-          <p:cNvPr id="147" name="Google Shape;147;p15"/>
+          <p:cNvPr id="153" name="Google Shape;153;p16"/>
           <p:cNvPicPr preferRelativeResize="0"/>
           <p:nvPr/>
         </p:nvPicPr>
@@ -10493,7 +10618,7 @@
       </p:pic>
       <p:pic>
         <p:nvPicPr>
-          <p:cNvPr id="148" name="Google Shape;148;p15"/>
+          <p:cNvPr id="154" name="Google Shape;154;p16"/>
           <p:cNvPicPr preferRelativeResize="0"/>
           <p:nvPr/>
         </p:nvPicPr>
@@ -10527,7 +10652,7 @@
 </p:sld>
 </file>
 
-<file path=ppt/slides/slide4.xml><?xml version="1.0" encoding="utf-8"?>
+<file path=ppt/slides/slide5.xml><?xml version="1.0" encoding="utf-8"?>
 <p:sld xmlns:a="http://schemas.openxmlformats.org/drawingml/2006/main" xmlns:r="http://schemas.openxmlformats.org/officeDocument/2006/relationships" xmlns:mc="http://schemas.openxmlformats.org/markup-compatibility/2006" xmlns:mv="urn:schemas-microsoft-com:mac:vml" xmlns:p="http://schemas.openxmlformats.org/presentationml/2006/main" xmlns:c="http://schemas.openxmlformats.org/drawingml/2006/chart" xmlns:dgm="http://schemas.openxmlformats.org/drawingml/2006/diagram" xmlns:o="urn:schemas-microsoft-com:office:office" xmlns:v="urn:schemas-microsoft-com:vml" xmlns:pvml="urn:schemas-microsoft-com:office:powerpoint" xmlns:com="http://schemas.openxmlformats.org/drawingml/2006/compatibility" xmlns:p14="http://schemas.microsoft.com/office/powerpoint/2010/main" xmlns:p15="http://schemas.microsoft.com/office/powerpoint/2012/main">
   <p:cSld>
     <p:bg>
@@ -10539,7 +10664,7 @@
     </p:bg>
     <p:spTree>
       <p:nvGrpSpPr>
-        <p:cNvPr id="152" name="Shape 152"/>
+        <p:cNvPr id="158" name="Shape 158"/>
         <p:cNvGrpSpPr/>
         <p:nvPr/>
       </p:nvGrpSpPr>
@@ -10553,7 +10678,7 @@
       </p:grpSpPr>
       <p:pic>
         <p:nvPicPr>
-          <p:cNvPr id="153" name="Google Shape;153;p16"/>
+          <p:cNvPr id="159" name="Google Shape;159;p17"/>
           <p:cNvPicPr preferRelativeResize="0"/>
           <p:nvPr/>
         </p:nvPicPr>
@@ -10580,7 +10705,7 @@
       </p:pic>
       <p:pic>
         <p:nvPicPr>
-          <p:cNvPr id="154" name="Google Shape;154;p16"/>
+          <p:cNvPr id="160" name="Google Shape;160;p17"/>
           <p:cNvPicPr preferRelativeResize="0"/>
           <p:nvPr/>
         </p:nvPicPr>
@@ -10606,131 +10731,6 @@
           </a:ln>
         </p:spPr>
       </p:pic>
-    </p:spTree>
-  </p:cSld>
-  <p:clrMapOvr>
-    <a:masterClrMapping/>
-  </p:clrMapOvr>
-</p:sld>
-</file>
-
-<file path=ppt/slides/slide5.xml><?xml version="1.0" encoding="utf-8"?>
-<p:sld xmlns:a="http://schemas.openxmlformats.org/drawingml/2006/main" xmlns:r="http://schemas.openxmlformats.org/officeDocument/2006/relationships" xmlns:mc="http://schemas.openxmlformats.org/markup-compatibility/2006" xmlns:mv="urn:schemas-microsoft-com:mac:vml" xmlns:p="http://schemas.openxmlformats.org/presentationml/2006/main" xmlns:c="http://schemas.openxmlformats.org/drawingml/2006/chart" xmlns:dgm="http://schemas.openxmlformats.org/drawingml/2006/diagram" xmlns:o="urn:schemas-microsoft-com:office:office" xmlns:v="urn:schemas-microsoft-com:vml" xmlns:pvml="urn:schemas-microsoft-com:office:powerpoint" xmlns:com="http://schemas.openxmlformats.org/drawingml/2006/compatibility" xmlns:p14="http://schemas.microsoft.com/office/powerpoint/2010/main" xmlns:p15="http://schemas.microsoft.com/office/powerpoint/2012/main">
-  <p:cSld>
-    <p:spTree>
-      <p:nvGrpSpPr>
-        <p:cNvPr id="158" name="Shape 158"/>
-        <p:cNvGrpSpPr/>
-        <p:nvPr/>
-      </p:nvGrpSpPr>
-      <p:grpSpPr>
-        <a:xfrm>
-          <a:off x="0" y="0"/>
-          <a:ext cx="0" cy="0"/>
-          <a:chOff x="0" y="0"/>
-          <a:chExt cx="0" cy="0"/>
-        </a:xfrm>
-      </p:grpSpPr>
-      <p:pic>
-        <p:nvPicPr>
-          <p:cNvPr id="159" name="Google Shape;159;p17"/>
-          <p:cNvPicPr preferRelativeResize="0"/>
-          <p:nvPr/>
-        </p:nvPicPr>
-        <p:blipFill rotWithShape="1">
-          <a:blip r:embed="rId3">
-            <a:alphaModFix/>
-          </a:blip>
-          <a:srcRect b="-8" l="0" r="0" t="15391"/>
-          <a:stretch/>
-        </p:blipFill>
-        <p:spPr>
-          <a:xfrm>
-            <a:off x="751013" y="982875"/>
-            <a:ext cx="7641974" cy="3544950"/>
-          </a:xfrm>
-          <a:prstGeom prst="rect">
-            <a:avLst/>
-          </a:prstGeom>
-          <a:noFill/>
-          <a:ln>
-            <a:noFill/>
-          </a:ln>
-        </p:spPr>
-      </p:pic>
-      <p:sp>
-        <p:nvSpPr>
-          <p:cNvPr id="160" name="Google Shape;160;p17"/>
-          <p:cNvSpPr txBox="1"/>
-          <p:nvPr/>
-        </p:nvSpPr>
-        <p:spPr>
-          <a:xfrm>
-            <a:off x="2816075" y="220875"/>
-            <a:ext cx="4759800" cy="607500"/>
-          </a:xfrm>
-          <a:prstGeom prst="rect">
-            <a:avLst/>
-          </a:prstGeom>
-          <a:noFill/>
-          <a:ln>
-            <a:noFill/>
-          </a:ln>
-        </p:spPr>
-        <p:txBody>
-          <a:bodyPr anchorCtr="0" anchor="t" bIns="91425" lIns="91425" spcFirstLastPara="1" rIns="91425" wrap="square" tIns="91425">
-            <a:noAutofit/>
-          </a:bodyPr>
-          <a:lstStyle/>
-          <a:p>
-            <a:pPr indent="0" lvl="0" marL="0" rtl="0" algn="l">
-              <a:spcBef>
-                <a:spcPts val="0"/>
-              </a:spcBef>
-              <a:spcAft>
-                <a:spcPts val="0"/>
-              </a:spcAft>
-              <a:buNone/>
-            </a:pPr>
-            <a:r>
-              <a:rPr lang="en" sz="2400">
-                <a:solidFill>
-                  <a:schemeClr val="lt1"/>
-                </a:solidFill>
-                <a:latin typeface="Lato"/>
-                <a:ea typeface="Lato"/>
-                <a:cs typeface="Lato"/>
-                <a:sym typeface="Lato"/>
-              </a:rPr>
-              <a:t>Monkey See Monkey Do!!!</a:t>
-            </a:r>
-            <a:endParaRPr sz="2400">
-              <a:solidFill>
-                <a:schemeClr val="accent5"/>
-              </a:solidFill>
-              <a:latin typeface="Montserrat"/>
-              <a:ea typeface="Montserrat"/>
-              <a:cs typeface="Montserrat"/>
-              <a:sym typeface="Montserrat"/>
-            </a:endParaRPr>
-          </a:p>
-          <a:p>
-            <a:pPr indent="0" lvl="0" marL="0" rtl="0" algn="l">
-              <a:spcBef>
-                <a:spcPts val="0"/>
-              </a:spcBef>
-              <a:spcAft>
-                <a:spcPts val="0"/>
-              </a:spcAft>
-              <a:buNone/>
-            </a:pPr>
-            <a:r>
-              <a:t/>
-            </a:r>
-            <a:endParaRPr/>
-          </a:p>
-        </p:txBody>
-      </p:sp>
     </p:spTree>
   </p:cSld>
   <p:clrMapOvr>
@@ -10789,32 +10789,6 @@
               <a:buNone/>
             </a:pPr>
             <a:r>
-              <a:rPr lang="en" sz="3000">
-                <a:latin typeface="Lato"/>
-                <a:ea typeface="Lato"/>
-                <a:cs typeface="Lato"/>
-                <a:sym typeface="Lato"/>
-              </a:rPr>
-              <a:t>Viral movements such as the Ice Bucket Challenge to combat ALS took social media platforms by storm.</a:t>
-            </a:r>
-            <a:endParaRPr sz="3000">
-              <a:latin typeface="Lato"/>
-              <a:ea typeface="Lato"/>
-              <a:cs typeface="Lato"/>
-              <a:sym typeface="Lato"/>
-            </a:endParaRPr>
-          </a:p>
-          <a:p>
-            <a:pPr indent="0" lvl="0" marL="0" rtl="0" algn="l">
-              <a:spcBef>
-                <a:spcPts val="0"/>
-              </a:spcBef>
-              <a:spcAft>
-                <a:spcPts val="0"/>
-              </a:spcAft>
-              <a:buNone/>
-            </a:pPr>
-            <a:r>
               <a:t/>
             </a:r>
             <a:endParaRPr sz="3000">
@@ -10887,7 +10861,7 @@
                 <a:cs typeface="Lato"/>
                 <a:sym typeface="Lato"/>
               </a:rPr>
-              <a:t>Website/App: ChallengeMonkey</a:t>
+              <a:t>Website: ChallengeMonkey</a:t>
             </a:r>
             <a:endParaRPr sz="3000">
               <a:latin typeface="Lato"/>
@@ -11058,8 +11032,8 @@
         </p:nvSpPr>
         <p:spPr>
           <a:xfrm>
-            <a:off x="823850" y="866775"/>
-            <a:ext cx="8022000" cy="3521100"/>
+            <a:off x="721200" y="429300"/>
+            <a:ext cx="7701600" cy="4284900"/>
           </a:xfrm>
           <a:prstGeom prst="rect">
             <a:avLst/>
@@ -11082,7 +11056,7 @@
             </a:pPr>
             <a:r>
               <a:rPr lang="en"/>
-              <a:t>Challenges/Problems:</a:t>
+              <a:t>Goals of the Website:</a:t>
             </a:r>
             <a:endParaRPr/>
           </a:p>
@@ -11114,23 +11088,11 @@
             </a:pPr>
             <a:r>
               <a:rPr lang="en"/>
-              <a:t>We began our project by developing an iOS app, but ran into collaborative issues on Github. </a:t>
+              <a:t>Harness the power of social media to popularize positive behavior.</a:t>
             </a:r>
-            <a:endParaRPr/>
-          </a:p>
-          <a:p>
-            <a:pPr indent="0" lvl="0" marL="0" rtl="0" algn="l">
-              <a:spcBef>
-                <a:spcPts val="0"/>
-              </a:spcBef>
-              <a:spcAft>
-                <a:spcPts val="0"/>
-              </a:spcAft>
-              <a:buNone/>
-            </a:pPr>
-            <a:r>
-              <a:t/>
-            </a:r>
+            <a:br>
+              <a:rPr lang="en"/>
+            </a:br>
             <a:endParaRPr/>
           </a:p>
           <a:p>
@@ -11146,22 +11108,35 @@
             </a:pPr>
             <a:r>
               <a:rPr lang="en"/>
-              <a:t>Instead we implemented a website to perform the same tasks to which everyone could contribute.</a:t>
+              <a:t>Continue adding functionality such as a leaderboard, head to head competitions, and more </a:t>
             </a:r>
+            <a:r>
+              <a:rPr lang="en"/>
+              <a:t>targeted</a:t>
+            </a:r>
+            <a:r>
+              <a:rPr lang="en"/>
+              <a:t> challenges.</a:t>
+            </a:r>
+            <a:br>
+              <a:rPr lang="en"/>
+            </a:br>
             <a:endParaRPr/>
           </a:p>
           <a:p>
-            <a:pPr indent="0" lvl="0" marL="0" rtl="0" algn="l">
-              <a:spcBef>
-                <a:spcPts val="0"/>
-              </a:spcBef>
-              <a:spcAft>
-                <a:spcPts val="0"/>
-              </a:spcAft>
-              <a:buNone/>
+            <a:pPr indent="-406400" lvl="0" marL="457200" rtl="0" algn="l">
+              <a:spcBef>
+                <a:spcPts val="0"/>
+              </a:spcBef>
+              <a:spcAft>
+                <a:spcPts val="0"/>
+              </a:spcAft>
+              <a:buSzPts val="2800"/>
+              <a:buChar char="●"/>
             </a:pPr>
             <a:r>
-              <a:t/>
+              <a:rPr lang="en"/>
+              <a:t>Finish a fully functional mobile app.</a:t>
             </a:r>
             <a:endParaRPr/>
           </a:p>
@@ -11202,8 +11177,8 @@
         </p:nvSpPr>
         <p:spPr>
           <a:xfrm>
-            <a:off x="721200" y="429300"/>
-            <a:ext cx="7701600" cy="4284900"/>
+            <a:off x="823850" y="866775"/>
+            <a:ext cx="8022000" cy="3521100"/>
           </a:xfrm>
           <a:prstGeom prst="rect">
             <a:avLst/>
@@ -11226,7 +11201,7 @@
             </a:pPr>
             <a:r>
               <a:rPr lang="en"/>
-              <a:t>Goals of the Website:</a:t>
+              <a:t>Challenges/Problems:</a:t>
             </a:r>
             <a:endParaRPr/>
           </a:p>
@@ -11258,11 +11233,23 @@
             </a:pPr>
             <a:r>
               <a:rPr lang="en"/>
-              <a:t>Harness the power of social media to popularize positive behavior.</a:t>
+              <a:t>We began our project by developing an iOS app, but ran into collaborative issues on Github. </a:t>
             </a:r>
-            <a:br>
-              <a:rPr lang="en"/>
-            </a:br>
+            <a:endParaRPr/>
+          </a:p>
+          <a:p>
+            <a:pPr indent="0" lvl="0" marL="0" rtl="0" algn="l">
+              <a:spcBef>
+                <a:spcPts val="0"/>
+              </a:spcBef>
+              <a:spcAft>
+                <a:spcPts val="0"/>
+              </a:spcAft>
+              <a:buNone/>
+            </a:pPr>
+            <a:r>
+              <a:t/>
+            </a:r>
             <a:endParaRPr/>
           </a:p>
           <a:p>
@@ -11278,35 +11265,22 @@
             </a:pPr>
             <a:r>
               <a:rPr lang="en"/>
-              <a:t>Continue adding functionality such as a leaderboard, head to head competitions, and more </a:t>
+              <a:t>Instead we implemented a website to perform the same tasks to which everyone could contribute.</a:t>
             </a:r>
-            <a:r>
-              <a:rPr lang="en"/>
-              <a:t>targeted</a:t>
-            </a:r>
-            <a:r>
-              <a:rPr lang="en"/>
-              <a:t> challenges.</a:t>
-            </a:r>
-            <a:br>
-              <a:rPr lang="en"/>
-            </a:br>
             <a:endParaRPr/>
           </a:p>
           <a:p>
-            <a:pPr indent="-406400" lvl="0" marL="457200" rtl="0" algn="l">
-              <a:spcBef>
-                <a:spcPts val="0"/>
-              </a:spcBef>
-              <a:spcAft>
-                <a:spcPts val="0"/>
-              </a:spcAft>
-              <a:buSzPts val="2800"/>
-              <a:buChar char="●"/>
+            <a:pPr indent="0" lvl="0" marL="0" rtl="0" algn="l">
+              <a:spcBef>
+                <a:spcPts val="0"/>
+              </a:spcBef>
+              <a:spcAft>
+                <a:spcPts val="0"/>
+              </a:spcAft>
+              <a:buNone/>
             </a:pPr>
             <a:r>
-              <a:rPr lang="en"/>
-              <a:t>Finish a fully functional mobile app.</a:t>
+              <a:t/>
             </a:r>
             <a:endParaRPr/>
           </a:p>
@@ -11321,6 +11295,285 @@
 </file>
 
 <file path=ppt/theme/theme1.xml><?xml version="1.0" encoding="utf-8"?>
+<a:theme xmlns:a="http://schemas.openxmlformats.org/drawingml/2006/main" xmlns:r="http://schemas.openxmlformats.org/officeDocument/2006/relationships">
+  <a:themeElements>
+    <a:clrScheme name="Default">
+      <a:dk1>
+        <a:srgbClr val="000000"/>
+      </a:dk1>
+      <a:lt1>
+        <a:srgbClr val="FFFFFF"/>
+      </a:lt1>
+      <a:dk2>
+        <a:srgbClr val="158158"/>
+      </a:dk2>
+      <a:lt2>
+        <a:srgbClr val="F3F3F3"/>
+      </a:lt2>
+      <a:accent1>
+        <a:srgbClr val="058DC7"/>
+      </a:accent1>
+      <a:accent2>
+        <a:srgbClr val="50B432"/>
+      </a:accent2>
+      <a:accent3>
+        <a:srgbClr val="ED561B"/>
+      </a:accent3>
+      <a:accent4>
+        <a:srgbClr val="EDEF00"/>
+      </a:accent4>
+      <a:accent5>
+        <a:srgbClr val="24CBE5"/>
+      </a:accent5>
+      <a:accent6>
+        <a:srgbClr val="64E572"/>
+      </a:accent6>
+      <a:hlink>
+        <a:srgbClr val="2200CC"/>
+      </a:hlink>
+      <a:folHlink>
+        <a:srgbClr val="551A8B"/>
+      </a:folHlink>
+    </a:clrScheme>
+    <a:fontScheme name="Office">
+      <a:majorFont>
+        <a:latin typeface="Arial"/>
+        <a:ea typeface=""/>
+        <a:cs typeface=""/>
+        <a:font script="Jpan" typeface="ＭＳ Ｐゴシック"/>
+        <a:font script="Hang" typeface="맑은 고딕"/>
+        <a:font script="Hans" typeface="宋体"/>
+        <a:font script="Hant" typeface="新細明體"/>
+        <a:font script="Arab" typeface="Times New Roman"/>
+        <a:font script="Hebr" typeface="Times New Roman"/>
+        <a:font script="Thai" typeface="Angsana New"/>
+        <a:font script="Ethi" typeface="Nyala"/>
+        <a:font script="Beng" typeface="Vrinda"/>
+        <a:font script="Gujr" typeface="Shruti"/>
+        <a:font script="Khmr" typeface="MoolBoran"/>
+        <a:font script="Knda" typeface="Tunga"/>
+        <a:font script="Guru" typeface="Raavi"/>
+        <a:font script="Cans" typeface="Euphemia"/>
+        <a:font script="Cher" typeface="Plantagenet Cherokee"/>
+        <a:font script="Yiii" typeface="Microsoft Yi Baiti"/>
+        <a:font script="Tibt" typeface="Microsoft Himalaya"/>
+        <a:font script="Thaa" typeface="MV Boli"/>
+        <a:font script="Deva" typeface="Mangal"/>
+        <a:font script="Telu" typeface="Gautami"/>
+        <a:font script="Taml" typeface="Latha"/>
+        <a:font script="Syrc" typeface="Estrangelo Edessa"/>
+        <a:font script="Orya" typeface="Kalinga"/>
+        <a:font script="Mlym" typeface="Kartika"/>
+        <a:font script="Laoo" typeface="DokChampa"/>
+        <a:font script="Sinh" typeface="Iskoola Pota"/>
+        <a:font script="Mong" typeface="Mongolian Baiti"/>
+        <a:font script="Viet" typeface="Times New Roman"/>
+        <a:font script="Uigh" typeface="Microsoft Uighur"/>
+        <a:font script="Geor" typeface="Sylfaen"/>
+      </a:majorFont>
+      <a:minorFont>
+        <a:latin typeface="Arial"/>
+        <a:ea typeface=""/>
+        <a:cs typeface=""/>
+        <a:font script="Jpan" typeface="ＭＳ Ｐゴシック"/>
+        <a:font script="Hang" typeface="맑은 고딕"/>
+        <a:font script="Hans" typeface="宋体"/>
+        <a:font script="Hant" typeface="新細明體"/>
+        <a:font script="Arab" typeface="Arial"/>
+        <a:font script="Hebr" typeface="Arial"/>
+        <a:font script="Thai" typeface="Cordia New"/>
+        <a:font script="Ethi" typeface="Nyala"/>
+        <a:font script="Beng" typeface="Vrinda"/>
+        <a:font script="Gujr" typeface="Shruti"/>
+        <a:font script="Khmr" typeface="DaunPenh"/>
+        <a:font script="Knda" typeface="Tunga"/>
+        <a:font script="Guru" typeface="Raavi"/>
+        <a:font script="Cans" typeface="Euphemia"/>
+        <a:font script="Cher" typeface="Plantagenet Cherokee"/>
+        <a:font script="Yiii" typeface="Microsoft Yi Baiti"/>
+        <a:font script="Tibt" typeface="Microsoft Himalaya"/>
+        <a:font script="Thaa" typeface="MV Boli"/>
+        <a:font script="Deva" typeface="Mangal"/>
+        <a:font script="Telu" typeface="Gautami"/>
+        <a:font script="Taml" typeface="Latha"/>
+        <a:font script="Syrc" typeface="Estrangelo Edessa"/>
+        <a:font script="Orya" typeface="Kalinga"/>
+        <a:font script="Mlym" typeface="Kartika"/>
+        <a:font script="Laoo" typeface="DokChampa"/>
+        <a:font script="Sinh" typeface="Iskoola Pota"/>
+        <a:font script="Mong" typeface="Mongolian Baiti"/>
+        <a:font script="Viet" typeface="Arial"/>
+        <a:font script="Uigh" typeface="Microsoft Uighur"/>
+        <a:font script="Geor" typeface="Sylfaen"/>
+      </a:minorFont>
+    </a:fontScheme>
+    <a:fmtScheme name="Office">
+      <a:fillStyleLst>
+        <a:solidFill>
+          <a:schemeClr val="phClr"/>
+        </a:solidFill>
+        <a:gradFill rotWithShape="1">
+          <a:gsLst>
+            <a:gs pos="0">
+              <a:schemeClr val="phClr">
+                <a:tint val="50000"/>
+                <a:satMod val="300000"/>
+              </a:schemeClr>
+            </a:gs>
+            <a:gs pos="35000">
+              <a:schemeClr val="phClr">
+                <a:tint val="37000"/>
+                <a:satMod val="300000"/>
+              </a:schemeClr>
+            </a:gs>
+            <a:gs pos="100000">
+              <a:schemeClr val="phClr">
+                <a:tint val="15000"/>
+                <a:satMod val="350000"/>
+              </a:schemeClr>
+            </a:gs>
+          </a:gsLst>
+          <a:lin ang="16200000" scaled="1"/>
+        </a:gradFill>
+        <a:gradFill rotWithShape="1">
+          <a:gsLst>
+            <a:gs pos="0">
+              <a:schemeClr val="phClr">
+                <a:tint val="100000"/>
+                <a:shade val="100000"/>
+                <a:satMod val="130000"/>
+              </a:schemeClr>
+            </a:gs>
+            <a:gs pos="100000">
+              <a:schemeClr val="phClr">
+                <a:tint val="50000"/>
+                <a:shade val="100000"/>
+                <a:satMod val="350000"/>
+              </a:schemeClr>
+            </a:gs>
+          </a:gsLst>
+          <a:lin ang="16200000" scaled="0"/>
+        </a:gradFill>
+      </a:fillStyleLst>
+      <a:lnStyleLst>
+        <a:ln w="9525" cap="flat" cmpd="sng" algn="ctr">
+          <a:solidFill>
+            <a:schemeClr val="phClr">
+              <a:shade val="95000"/>
+              <a:satMod val="105000"/>
+            </a:schemeClr>
+          </a:solidFill>
+          <a:prstDash val="solid"/>
+        </a:ln>
+        <a:ln w="25400" cap="flat" cmpd="sng" algn="ctr">
+          <a:solidFill>
+            <a:schemeClr val="phClr"/>
+          </a:solidFill>
+          <a:prstDash val="solid"/>
+        </a:ln>
+        <a:ln w="38100" cap="flat" cmpd="sng" algn="ctr">
+          <a:solidFill>
+            <a:schemeClr val="phClr"/>
+          </a:solidFill>
+          <a:prstDash val="solid"/>
+        </a:ln>
+      </a:lnStyleLst>
+      <a:effectStyleLst>
+        <a:effectStyle>
+          <a:effectLst>
+            <a:outerShdw blurRad="40000" dist="20000" dir="5400000" rotWithShape="0">
+              <a:srgbClr val="000000">
+                <a:alpha val="38000"/>
+              </a:srgbClr>
+            </a:outerShdw>
+          </a:effectLst>
+        </a:effectStyle>
+        <a:effectStyle>
+          <a:effectLst>
+            <a:outerShdw blurRad="40000" dist="23000" dir="5400000" rotWithShape="0">
+              <a:srgbClr val="000000">
+                <a:alpha val="35000"/>
+              </a:srgbClr>
+            </a:outerShdw>
+          </a:effectLst>
+        </a:effectStyle>
+        <a:effectStyle>
+          <a:effectLst>
+            <a:outerShdw blurRad="40000" dist="23000" dir="5400000" rotWithShape="0">
+              <a:srgbClr val="000000">
+                <a:alpha val="35000"/>
+              </a:srgbClr>
+            </a:outerShdw>
+          </a:effectLst>
+          <a:scene3d>
+            <a:camera prst="orthographicFront">
+              <a:rot lat="0" lon="0" rev="0"/>
+            </a:camera>
+            <a:lightRig rig="threePt" dir="t">
+              <a:rot lat="0" lon="0" rev="1200000"/>
+            </a:lightRig>
+          </a:scene3d>
+          <a:sp3d>
+            <a:bevelT w="63500" h="25400"/>
+          </a:sp3d>
+        </a:effectStyle>
+      </a:effectStyleLst>
+      <a:bgFillStyleLst>
+        <a:solidFill>
+          <a:schemeClr val="phClr"/>
+        </a:solidFill>
+        <a:gradFill rotWithShape="1">
+          <a:gsLst>
+            <a:gs pos="0">
+              <a:schemeClr val="phClr">
+                <a:tint val="40000"/>
+                <a:satMod val="350000"/>
+              </a:schemeClr>
+            </a:gs>
+            <a:gs pos="40000">
+              <a:schemeClr val="phClr">
+                <a:tint val="45000"/>
+                <a:shade val="99000"/>
+                <a:satMod val="350000"/>
+              </a:schemeClr>
+            </a:gs>
+            <a:gs pos="100000">
+              <a:schemeClr val="phClr">
+                <a:shade val="20000"/>
+                <a:satMod val="255000"/>
+              </a:schemeClr>
+            </a:gs>
+          </a:gsLst>
+          <a:path path="circle">
+            <a:fillToRect l="50000" t="-80000" r="50000" b="180000"/>
+          </a:path>
+        </a:gradFill>
+        <a:gradFill rotWithShape="1">
+          <a:gsLst>
+            <a:gs pos="0">
+              <a:schemeClr val="phClr">
+                <a:tint val="80000"/>
+                <a:satMod val="300000"/>
+              </a:schemeClr>
+            </a:gs>
+            <a:gs pos="100000">
+              <a:schemeClr val="phClr">
+                <a:shade val="30000"/>
+                <a:satMod val="200000"/>
+              </a:schemeClr>
+            </a:gs>
+          </a:gsLst>
+          <a:path path="circle">
+            <a:fillToRect l="50000" t="50000" r="50000" b="50000"/>
+          </a:path>
+        </a:gradFill>
+      </a:bgFillStyleLst>
+    </a:fmtScheme>
+  </a:themeElements>
+</a:theme>
+</file>
+
+<file path=ppt/theme/theme2.xml><?xml version="1.0" encoding="utf-8"?>
 <a:theme xmlns:a="http://schemas.openxmlformats.org/drawingml/2006/main" xmlns:r="http://schemas.openxmlformats.org/officeDocument/2006/relationships" name="Focus">
   <a:themeElements>
     <a:clrScheme name="Focus">
@@ -11597,283 +11850,4 @@
     </a:fmtScheme>
   </a:themeElements>
 </a:theme>
-</file>
-
-<file path=ppt/theme/theme2.xml><?xml version="1.0" encoding="utf-8"?>
-<a:theme xmlns:a="http://schemas.openxmlformats.org/drawingml/2006/main" xmlns:r="http://schemas.openxmlformats.org/officeDocument/2006/relationships">
-  <a:themeElements>
-    <a:clrScheme name="Default">
-      <a:dk1>
-        <a:srgbClr val="000000"/>
-      </a:dk1>
-      <a:lt1>
-        <a:srgbClr val="FFFFFF"/>
-      </a:lt1>
-      <a:dk2>
-        <a:srgbClr val="158158"/>
-      </a:dk2>
-      <a:lt2>
-        <a:srgbClr val="F3F3F3"/>
-      </a:lt2>
-      <a:accent1>
-        <a:srgbClr val="058DC7"/>
-      </a:accent1>
-      <a:accent2>
-        <a:srgbClr val="50B432"/>
-      </a:accent2>
-      <a:accent3>
-        <a:srgbClr val="ED561B"/>
-      </a:accent3>
-      <a:accent4>
-        <a:srgbClr val="EDEF00"/>
-      </a:accent4>
-      <a:accent5>
-        <a:srgbClr val="24CBE5"/>
-      </a:accent5>
-      <a:accent6>
-        <a:srgbClr val="64E572"/>
-      </a:accent6>
-      <a:hlink>
-        <a:srgbClr val="2200CC"/>
-      </a:hlink>
-      <a:folHlink>
-        <a:srgbClr val="551A8B"/>
-      </a:folHlink>
-    </a:clrScheme>
-    <a:fontScheme name="Office">
-      <a:majorFont>
-        <a:latin typeface="Arial"/>
-        <a:ea typeface=""/>
-        <a:cs typeface=""/>
-        <a:font script="Jpan" typeface="ＭＳ Ｐゴシック"/>
-        <a:font script="Hang" typeface="맑은 고딕"/>
-        <a:font script="Hans" typeface="宋体"/>
-        <a:font script="Hant" typeface="新細明體"/>
-        <a:font script="Arab" typeface="Times New Roman"/>
-        <a:font script="Hebr" typeface="Times New Roman"/>
-        <a:font script="Thai" typeface="Angsana New"/>
-        <a:font script="Ethi" typeface="Nyala"/>
-        <a:font script="Beng" typeface="Vrinda"/>
-        <a:font script="Gujr" typeface="Shruti"/>
-        <a:font script="Khmr" typeface="MoolBoran"/>
-        <a:font script="Knda" typeface="Tunga"/>
-        <a:font script="Guru" typeface="Raavi"/>
-        <a:font script="Cans" typeface="Euphemia"/>
-        <a:font script="Cher" typeface="Plantagenet Cherokee"/>
-        <a:font script="Yiii" typeface="Microsoft Yi Baiti"/>
-        <a:font script="Tibt" typeface="Microsoft Himalaya"/>
-        <a:font script="Thaa" typeface="MV Boli"/>
-        <a:font script="Deva" typeface="Mangal"/>
-        <a:font script="Telu" typeface="Gautami"/>
-        <a:font script="Taml" typeface="Latha"/>
-        <a:font script="Syrc" typeface="Estrangelo Edessa"/>
-        <a:font script="Orya" typeface="Kalinga"/>
-        <a:font script="Mlym" typeface="Kartika"/>
-        <a:font script="Laoo" typeface="DokChampa"/>
-        <a:font script="Sinh" typeface="Iskoola Pota"/>
-        <a:font script="Mong" typeface="Mongolian Baiti"/>
-        <a:font script="Viet" typeface="Times New Roman"/>
-        <a:font script="Uigh" typeface="Microsoft Uighur"/>
-        <a:font script="Geor" typeface="Sylfaen"/>
-      </a:majorFont>
-      <a:minorFont>
-        <a:latin typeface="Arial"/>
-        <a:ea typeface=""/>
-        <a:cs typeface=""/>
-        <a:font script="Jpan" typeface="ＭＳ Ｐゴシック"/>
-        <a:font script="Hang" typeface="맑은 고딕"/>
-        <a:font script="Hans" typeface="宋体"/>
-        <a:font script="Hant" typeface="新細明體"/>
-        <a:font script="Arab" typeface="Arial"/>
-        <a:font script="Hebr" typeface="Arial"/>
-        <a:font script="Thai" typeface="Cordia New"/>
-        <a:font script="Ethi" typeface="Nyala"/>
-        <a:font script="Beng" typeface="Vrinda"/>
-        <a:font script="Gujr" typeface="Shruti"/>
-        <a:font script="Khmr" typeface="DaunPenh"/>
-        <a:font script="Knda" typeface="Tunga"/>
-        <a:font script="Guru" typeface="Raavi"/>
-        <a:font script="Cans" typeface="Euphemia"/>
-        <a:font script="Cher" typeface="Plantagenet Cherokee"/>
-        <a:font script="Yiii" typeface="Microsoft Yi Baiti"/>
-        <a:font script="Tibt" typeface="Microsoft Himalaya"/>
-        <a:font script="Thaa" typeface="MV Boli"/>
-        <a:font script="Deva" typeface="Mangal"/>
-        <a:font script="Telu" typeface="Gautami"/>
-        <a:font script="Taml" typeface="Latha"/>
-        <a:font script="Syrc" typeface="Estrangelo Edessa"/>
-        <a:font script="Orya" typeface="Kalinga"/>
-        <a:font script="Mlym" typeface="Kartika"/>
-        <a:font script="Laoo" typeface="DokChampa"/>
-        <a:font script="Sinh" typeface="Iskoola Pota"/>
-        <a:font script="Mong" typeface="Mongolian Baiti"/>
-        <a:font script="Viet" typeface="Arial"/>
-        <a:font script="Uigh" typeface="Microsoft Uighur"/>
-        <a:font script="Geor" typeface="Sylfaen"/>
-      </a:minorFont>
-    </a:fontScheme>
-    <a:fmtScheme name="Office">
-      <a:fillStyleLst>
-        <a:solidFill>
-          <a:schemeClr val="phClr"/>
-        </a:solidFill>
-        <a:gradFill rotWithShape="1">
-          <a:gsLst>
-            <a:gs pos="0">
-              <a:schemeClr val="phClr">
-                <a:tint val="50000"/>
-                <a:satMod val="300000"/>
-              </a:schemeClr>
-            </a:gs>
-            <a:gs pos="35000">
-              <a:schemeClr val="phClr">
-                <a:tint val="37000"/>
-                <a:satMod val="300000"/>
-              </a:schemeClr>
-            </a:gs>
-            <a:gs pos="100000">
-              <a:schemeClr val="phClr">
-                <a:tint val="15000"/>
-                <a:satMod val="350000"/>
-              </a:schemeClr>
-            </a:gs>
-          </a:gsLst>
-          <a:lin ang="16200000" scaled="1"/>
-        </a:gradFill>
-        <a:gradFill rotWithShape="1">
-          <a:gsLst>
-            <a:gs pos="0">
-              <a:schemeClr val="phClr">
-                <a:tint val="100000"/>
-                <a:shade val="100000"/>
-                <a:satMod val="130000"/>
-              </a:schemeClr>
-            </a:gs>
-            <a:gs pos="100000">
-              <a:schemeClr val="phClr">
-                <a:tint val="50000"/>
-                <a:shade val="100000"/>
-                <a:satMod val="350000"/>
-              </a:schemeClr>
-            </a:gs>
-          </a:gsLst>
-          <a:lin ang="16200000" scaled="0"/>
-        </a:gradFill>
-      </a:fillStyleLst>
-      <a:lnStyleLst>
-        <a:ln w="9525" cap="flat" cmpd="sng" algn="ctr">
-          <a:solidFill>
-            <a:schemeClr val="phClr">
-              <a:shade val="95000"/>
-              <a:satMod val="105000"/>
-            </a:schemeClr>
-          </a:solidFill>
-          <a:prstDash val="solid"/>
-        </a:ln>
-        <a:ln w="25400" cap="flat" cmpd="sng" algn="ctr">
-          <a:solidFill>
-            <a:schemeClr val="phClr"/>
-          </a:solidFill>
-          <a:prstDash val="solid"/>
-        </a:ln>
-        <a:ln w="38100" cap="flat" cmpd="sng" algn="ctr">
-          <a:solidFill>
-            <a:schemeClr val="phClr"/>
-          </a:solidFill>
-          <a:prstDash val="solid"/>
-        </a:ln>
-      </a:lnStyleLst>
-      <a:effectStyleLst>
-        <a:effectStyle>
-          <a:effectLst>
-            <a:outerShdw blurRad="40000" dist="20000" dir="5400000" rotWithShape="0">
-              <a:srgbClr val="000000">
-                <a:alpha val="38000"/>
-              </a:srgbClr>
-            </a:outerShdw>
-          </a:effectLst>
-        </a:effectStyle>
-        <a:effectStyle>
-          <a:effectLst>
-            <a:outerShdw blurRad="40000" dist="23000" dir="5400000" rotWithShape="0">
-              <a:srgbClr val="000000">
-                <a:alpha val="35000"/>
-              </a:srgbClr>
-            </a:outerShdw>
-          </a:effectLst>
-        </a:effectStyle>
-        <a:effectStyle>
-          <a:effectLst>
-            <a:outerShdw blurRad="40000" dist="23000" dir="5400000" rotWithShape="0">
-              <a:srgbClr val="000000">
-                <a:alpha val="35000"/>
-              </a:srgbClr>
-            </a:outerShdw>
-          </a:effectLst>
-          <a:scene3d>
-            <a:camera prst="orthographicFront">
-              <a:rot lat="0" lon="0" rev="0"/>
-            </a:camera>
-            <a:lightRig rig="threePt" dir="t">
-              <a:rot lat="0" lon="0" rev="1200000"/>
-            </a:lightRig>
-          </a:scene3d>
-          <a:sp3d>
-            <a:bevelT w="63500" h="25400"/>
-          </a:sp3d>
-        </a:effectStyle>
-      </a:effectStyleLst>
-      <a:bgFillStyleLst>
-        <a:solidFill>
-          <a:schemeClr val="phClr"/>
-        </a:solidFill>
-        <a:gradFill rotWithShape="1">
-          <a:gsLst>
-            <a:gs pos="0">
-              <a:schemeClr val="phClr">
-                <a:tint val="40000"/>
-                <a:satMod val="350000"/>
-              </a:schemeClr>
-            </a:gs>
-            <a:gs pos="40000">
-              <a:schemeClr val="phClr">
-                <a:tint val="45000"/>
-                <a:shade val="99000"/>
-                <a:satMod val="350000"/>
-              </a:schemeClr>
-            </a:gs>
-            <a:gs pos="100000">
-              <a:schemeClr val="phClr">
-                <a:shade val="20000"/>
-                <a:satMod val="255000"/>
-              </a:schemeClr>
-            </a:gs>
-          </a:gsLst>
-          <a:path path="circle">
-            <a:fillToRect l="50000" t="-80000" r="50000" b="180000"/>
-          </a:path>
-        </a:gradFill>
-        <a:gradFill rotWithShape="1">
-          <a:gsLst>
-            <a:gs pos="0">
-              <a:schemeClr val="phClr">
-                <a:tint val="80000"/>
-                <a:satMod val="300000"/>
-              </a:schemeClr>
-            </a:gs>
-            <a:gs pos="100000">
-              <a:schemeClr val="phClr">
-                <a:shade val="30000"/>
-                <a:satMod val="200000"/>
-              </a:schemeClr>
-            </a:gs>
-          </a:gsLst>
-          <a:path path="circle">
-            <a:fillToRect l="50000" t="50000" r="50000" b="50000"/>
-          </a:path>
-        </a:gradFill>
-      </a:bgFillStyleLst>
-    </a:fmtScheme>
-  </a:themeElements>
-</a:theme>
 </file>